--- a/events/2018-neo-blockchain-toronto/NEO Blockchain-Toronto-20180314 Meetup-WIP.pptx
+++ b/events/2018-neo-blockchain-toronto/NEO Blockchain-Toronto-20180314 Meetup-WIP.pptx
@@ -5,7 +5,7 @@
     <p:sldMasterId id="2147483648" r:id="rId1"/>
   </p:sldMasterIdLst>
   <p:notesMasterIdLst>
-    <p:notesMasterId r:id="rId28"/>
+    <p:notesMasterId r:id="rId29"/>
   </p:notesMasterIdLst>
   <p:sldIdLst>
     <p:sldId id="256" r:id="rId2"/>
@@ -25,15 +25,16 @@
     <p:sldId id="278" r:id="rId16"/>
     <p:sldId id="265" r:id="rId17"/>
     <p:sldId id="279" r:id="rId18"/>
-    <p:sldId id="262" r:id="rId19"/>
-    <p:sldId id="281" r:id="rId20"/>
-    <p:sldId id="259" r:id="rId21"/>
-    <p:sldId id="282" r:id="rId22"/>
-    <p:sldId id="283" r:id="rId23"/>
-    <p:sldId id="269" r:id="rId24"/>
-    <p:sldId id="263" r:id="rId25"/>
-    <p:sldId id="267" r:id="rId26"/>
-    <p:sldId id="266" r:id="rId27"/>
+    <p:sldId id="284" r:id="rId19"/>
+    <p:sldId id="262" r:id="rId20"/>
+    <p:sldId id="281" r:id="rId21"/>
+    <p:sldId id="259" r:id="rId22"/>
+    <p:sldId id="282" r:id="rId23"/>
+    <p:sldId id="283" r:id="rId24"/>
+    <p:sldId id="269" r:id="rId25"/>
+    <p:sldId id="263" r:id="rId26"/>
+    <p:sldId id="267" r:id="rId27"/>
+    <p:sldId id="266" r:id="rId28"/>
   </p:sldIdLst>
   <p:sldSz cx="12192000" cy="6858000"/>
   <p:notesSz cx="6858000" cy="9144000"/>
@@ -3739,7 +3740,7 @@
           <a:p>
             <a:fld id="{8C96CAC6-5EE5-4DF8-BED8-337C55BC9982}" type="datetimeFigureOut">
               <a:rPr lang="en-CA" smtClean="0"/>
-              <a:t>2018-02-18</a:t>
+              <a:t>2018-02-20</a:t>
             </a:fld>
             <a:endParaRPr lang="en-CA"/>
           </a:p>
@@ -15535,6 +15536,257 @@
           <a:chExt cx="0" cy="0"/>
         </a:xfrm>
       </p:grpSpPr>
+      <p:pic>
+        <p:nvPicPr>
+          <p:cNvPr id="3" name="Picture 2"/>
+          <p:cNvPicPr>
+            <a:picLocks noChangeAspect="1"/>
+          </p:cNvPicPr>
+          <p:nvPr/>
+        </p:nvPicPr>
+        <p:blipFill>
+          <a:blip r:embed="rId2">
+            <a:extLst>
+              <a:ext uri="{28A0092B-C50C-407E-A947-70E740481C1C}">
+                <a14:useLocalDpi xmlns:a14="http://schemas.microsoft.com/office/drawing/2010/main" val="0"/>
+              </a:ext>
+            </a:extLst>
+          </a:blip>
+          <a:stretch>
+            <a:fillRect/>
+          </a:stretch>
+        </p:blipFill>
+        <p:spPr>
+          <a:xfrm>
+            <a:off x="2688278" y="1571379"/>
+            <a:ext cx="8551409" cy="2334760"/>
+          </a:xfrm>
+          <a:prstGeom prst="rect">
+            <a:avLst/>
+          </a:prstGeom>
+        </p:spPr>
+      </p:pic>
+      <p:pic>
+        <p:nvPicPr>
+          <p:cNvPr id="4" name="Picture 3"/>
+          <p:cNvPicPr>
+            <a:picLocks noChangeAspect="1"/>
+          </p:cNvPicPr>
+          <p:nvPr/>
+        </p:nvPicPr>
+        <p:blipFill>
+          <a:blip r:embed="rId3">
+            <a:extLst>
+              <a:ext uri="{28A0092B-C50C-407E-A947-70E740481C1C}">
+                <a14:useLocalDpi xmlns:a14="http://schemas.microsoft.com/office/drawing/2010/main" val="0"/>
+              </a:ext>
+            </a:extLst>
+          </a:blip>
+          <a:stretch>
+            <a:fillRect/>
+          </a:stretch>
+        </p:blipFill>
+        <p:spPr>
+          <a:xfrm>
+            <a:off x="2688278" y="4053663"/>
+            <a:ext cx="8551409" cy="2451863"/>
+          </a:xfrm>
+          <a:prstGeom prst="rect">
+            <a:avLst/>
+          </a:prstGeom>
+        </p:spPr>
+      </p:pic>
+      <p:pic>
+        <p:nvPicPr>
+          <p:cNvPr id="5" name="Picture 4"/>
+          <p:cNvPicPr>
+            <a:picLocks noChangeAspect="1"/>
+          </p:cNvPicPr>
+          <p:nvPr/>
+        </p:nvPicPr>
+        <p:blipFill>
+          <a:blip r:embed="rId4" cstate="print">
+            <a:extLst>
+              <a:ext uri="{28A0092B-C50C-407E-A947-70E740481C1C}">
+                <a14:useLocalDpi xmlns:a14="http://schemas.microsoft.com/office/drawing/2010/main" val="0"/>
+              </a:ext>
+            </a:extLst>
+          </a:blip>
+          <a:stretch>
+            <a:fillRect/>
+          </a:stretch>
+        </p:blipFill>
+        <p:spPr>
+          <a:xfrm>
+            <a:off x="790571" y="1566083"/>
+            <a:ext cx="1023582" cy="1023582"/>
+          </a:xfrm>
+          <a:prstGeom prst="rect">
+            <a:avLst/>
+          </a:prstGeom>
+        </p:spPr>
+      </p:pic>
+      <p:pic>
+        <p:nvPicPr>
+          <p:cNvPr id="6" name="Picture 5"/>
+          <p:cNvPicPr>
+            <a:picLocks noChangeAspect="1"/>
+          </p:cNvPicPr>
+          <p:nvPr/>
+        </p:nvPicPr>
+        <p:blipFill>
+          <a:blip r:embed="rId5" cstate="print">
+            <a:extLst>
+              <a:ext uri="{28A0092B-C50C-407E-A947-70E740481C1C}">
+                <a14:useLocalDpi xmlns:a14="http://schemas.microsoft.com/office/drawing/2010/main" val="0"/>
+              </a:ext>
+            </a:extLst>
+          </a:blip>
+          <a:stretch>
+            <a:fillRect/>
+          </a:stretch>
+        </p:blipFill>
+        <p:spPr>
+          <a:xfrm>
+            <a:off x="675740" y="2796730"/>
+            <a:ext cx="1253244" cy="1253244"/>
+          </a:xfrm>
+          <a:prstGeom prst="rect">
+            <a:avLst/>
+          </a:prstGeom>
+        </p:spPr>
+      </p:pic>
+      <p:pic>
+        <p:nvPicPr>
+          <p:cNvPr id="7" name="Picture 6"/>
+          <p:cNvPicPr>
+            <a:picLocks noChangeAspect="1"/>
+          </p:cNvPicPr>
+          <p:nvPr/>
+        </p:nvPicPr>
+        <p:blipFill>
+          <a:blip r:embed="rId6">
+            <a:extLst>
+              <a:ext uri="{28A0092B-C50C-407E-A947-70E740481C1C}">
+                <a14:useLocalDpi xmlns:a14="http://schemas.microsoft.com/office/drawing/2010/main" val="0"/>
+              </a:ext>
+            </a:extLst>
+          </a:blip>
+          <a:stretch>
+            <a:fillRect/>
+          </a:stretch>
+        </p:blipFill>
+        <p:spPr>
+          <a:xfrm>
+            <a:off x="616275" y="4190561"/>
+            <a:ext cx="1372173" cy="1372173"/>
+          </a:xfrm>
+          <a:prstGeom prst="rect">
+            <a:avLst/>
+          </a:prstGeom>
+        </p:spPr>
+      </p:pic>
+      <p:pic>
+        <p:nvPicPr>
+          <p:cNvPr id="15" name="Picture 14"/>
+          <p:cNvPicPr>
+            <a:picLocks noChangeAspect="1"/>
+          </p:cNvPicPr>
+          <p:nvPr/>
+        </p:nvPicPr>
+        <p:blipFill>
+          <a:blip r:embed="rId7" cstate="print">
+            <a:extLst>
+              <a:ext uri="{28A0092B-C50C-407E-A947-70E740481C1C}">
+                <a14:useLocalDpi xmlns:a14="http://schemas.microsoft.com/office/drawing/2010/main" val="0"/>
+              </a:ext>
+            </a:extLst>
+          </a:blip>
+          <a:stretch>
+            <a:fillRect/>
+          </a:stretch>
+        </p:blipFill>
+        <p:spPr>
+          <a:xfrm>
+            <a:off x="761089" y="5613919"/>
+            <a:ext cx="1039416" cy="1039416"/>
+          </a:xfrm>
+          <a:prstGeom prst="rect">
+            <a:avLst/>
+          </a:prstGeom>
+        </p:spPr>
+      </p:pic>
+      <p:sp>
+        <p:nvSpPr>
+          <p:cNvPr id="9" name="Title 8">
+            <a:extLst>
+              <a:ext uri="{FF2B5EF4-FFF2-40B4-BE49-F238E27FC236}">
+                <a16:creationId xmlns:a16="http://schemas.microsoft.com/office/drawing/2014/main" id="{6840C818-158A-4FF8-BF8F-3B2E33523879}"/>
+              </a:ext>
+            </a:extLst>
+          </p:cNvPr>
+          <p:cNvSpPr>
+            <a:spLocks noGrp="1"/>
+          </p:cNvSpPr>
+          <p:nvPr>
+            <p:ph type="title"/>
+          </p:nvPr>
+        </p:nvSpPr>
+        <p:spPr>
+          <a:xfrm>
+            <a:off x="677334" y="609600"/>
+            <a:ext cx="9664530" cy="1320800"/>
+          </a:xfrm>
+        </p:spPr>
+        <p:txBody>
+          <a:bodyPr/>
+          <a:lstStyle/>
+          <a:p>
+            <a:r>
+              <a:rPr lang="en-CA" dirty="0"/>
+              <a:t>NEO </a:t>
+            </a:r>
+            <a:r>
+              <a:rPr lang="en-CA" dirty="0" err="1"/>
+              <a:t>dApp</a:t>
+            </a:r>
+            <a:r>
+              <a:rPr lang="en-CA" dirty="0"/>
+              <a:t> Competitions ~$50K in prizes</a:t>
+            </a:r>
+          </a:p>
+        </p:txBody>
+      </p:sp>
+    </p:spTree>
+    <p:extLst>
+      <p:ext uri="{BB962C8B-B14F-4D97-AF65-F5344CB8AC3E}">
+        <p14:creationId xmlns:p14="http://schemas.microsoft.com/office/powerpoint/2010/main" val="4259382207"/>
+      </p:ext>
+    </p:extLst>
+  </p:cSld>
+  <p:clrMapOvr>
+    <a:masterClrMapping/>
+  </p:clrMapOvr>
+</p:sld>
+</file>
+
+<file path=ppt/slides/slide19.xml><?xml version="1.0" encoding="utf-8"?>
+<p:sld xmlns:a="http://schemas.openxmlformats.org/drawingml/2006/main" xmlns:r="http://schemas.openxmlformats.org/officeDocument/2006/relationships" xmlns:p="http://schemas.openxmlformats.org/presentationml/2006/main">
+  <p:cSld>
+    <p:spTree>
+      <p:nvGrpSpPr>
+        <p:cNvPr id="1" name=""/>
+        <p:cNvGrpSpPr/>
+        <p:nvPr/>
+      </p:nvGrpSpPr>
+      <p:grpSpPr>
+        <a:xfrm>
+          <a:off x="0" y="0"/>
+          <a:ext cx="0" cy="0"/>
+          <a:chOff x="0" y="0"/>
+          <a:chExt cx="0" cy="0"/>
+        </a:xfrm>
+      </p:grpSpPr>
       <p:sp>
         <p:nvSpPr>
           <p:cNvPr id="2" name="Title 1">
@@ -15837,7 +16089,7 @@
             <a:fld id="{D57F1E4F-1CFF-5643-939E-217C01CDF565}" type="slidenum">
               <a:rPr lang="en-US" smtClean="0"/>
               <a:pPr/>
-              <a:t>18</a:t>
+              <a:t>19</a:t>
             </a:fld>
             <a:endParaRPr lang="en-US" dirty="0"/>
           </a:p>
@@ -15929,211 +16181,6 @@
 </p:sld>
 </file>
 
-<file path=ppt/slides/slide19.xml><?xml version="1.0" encoding="utf-8"?>
-<p:sld xmlns:a="http://schemas.openxmlformats.org/drawingml/2006/main" xmlns:r="http://schemas.openxmlformats.org/officeDocument/2006/relationships" xmlns:p="http://schemas.openxmlformats.org/presentationml/2006/main">
-  <p:cSld>
-    <p:spTree>
-      <p:nvGrpSpPr>
-        <p:cNvPr id="1" name=""/>
-        <p:cNvGrpSpPr/>
-        <p:nvPr/>
-      </p:nvGrpSpPr>
-      <p:grpSpPr>
-        <a:xfrm>
-          <a:off x="0" y="0"/>
-          <a:ext cx="0" cy="0"/>
-          <a:chOff x="0" y="0"/>
-          <a:chExt cx="0" cy="0"/>
-        </a:xfrm>
-      </p:grpSpPr>
-      <p:sp>
-        <p:nvSpPr>
-          <p:cNvPr id="2" name="Title 1">
-            <a:extLst>
-              <a:ext uri="{FF2B5EF4-FFF2-40B4-BE49-F238E27FC236}">
-                <a16:creationId xmlns:a16="http://schemas.microsoft.com/office/drawing/2014/main" id="{5D6AE72C-DF40-4317-B3AE-312AE6A63AFA}"/>
-              </a:ext>
-            </a:extLst>
-          </p:cNvPr>
-          <p:cNvSpPr>
-            <a:spLocks noGrp="1"/>
-          </p:cNvSpPr>
-          <p:nvPr>
-            <p:ph type="title"/>
-          </p:nvPr>
-        </p:nvSpPr>
-        <p:spPr/>
-        <p:txBody>
-          <a:bodyPr>
-            <a:normAutofit fontScale="90000"/>
-          </a:bodyPr>
-          <a:lstStyle/>
-          <a:p>
-            <a:r>
-              <a:rPr lang="en-CA" dirty="0"/>
-              <a:t>neo-</a:t>
-            </a:r>
-            <a:r>
-              <a:rPr lang="en-CA" dirty="0" err="1"/>
-              <a:t>windocs</a:t>
-            </a:r>
-            <a:r>
-              <a:rPr lang="en-CA" dirty="0"/>
-              <a:t> Project</a:t>
-            </a:r>
-            <a:br>
-              <a:rPr lang="en-CA" dirty="0"/>
-            </a:br>
-            <a:r>
-              <a:rPr lang="en-CA" sz="2700" dirty="0"/>
-              <a:t>https://github.com/mwherman2000/neo-windocs</a:t>
-            </a:r>
-            <a:endParaRPr lang="en-US" sz="2700" dirty="0"/>
-          </a:p>
-        </p:txBody>
-      </p:sp>
-      <p:sp>
-        <p:nvSpPr>
-          <p:cNvPr id="3" name="Content Placeholder 2">
-            <a:extLst>
-              <a:ext uri="{FF2B5EF4-FFF2-40B4-BE49-F238E27FC236}">
-                <a16:creationId xmlns:a16="http://schemas.microsoft.com/office/drawing/2014/main" id="{989A5CB1-73DD-4111-880D-82F36ACE3D1A}"/>
-              </a:ext>
-            </a:extLst>
-          </p:cNvPr>
-          <p:cNvSpPr>
-            <a:spLocks noGrp="1"/>
-          </p:cNvSpPr>
-          <p:nvPr>
-            <p:ph idx="1"/>
-          </p:nvPr>
-        </p:nvSpPr>
-        <p:spPr>
-          <a:xfrm>
-            <a:off x="677334" y="1801906"/>
-            <a:ext cx="9326476" cy="5056093"/>
-          </a:xfrm>
-        </p:spPr>
-        <p:txBody>
-          <a:bodyPr>
-            <a:normAutofit/>
-          </a:bodyPr>
-          <a:lstStyle/>
-          <a:p>
-            <a:r>
-              <a:rPr lang="en-CA" dirty="0"/>
-              <a:t>Founder: Michael Herman (</a:t>
-            </a:r>
-            <a:r>
-              <a:rPr lang="en-CA" dirty="0">
-                <a:hlinkClick r:id="rId2"/>
-              </a:rPr>
-              <a:t>neotoronto@outlook.com</a:t>
-            </a:r>
-            <a:r>
-              <a:rPr lang="en-CA" dirty="0"/>
-              <a:t>)</a:t>
-            </a:r>
-          </a:p>
-          <a:p>
-            <a:r>
-              <a:rPr lang="en-US" dirty="0"/>
-              <a:t>NEO Blockchain end-to-end, detailed guidance for .NET developers</a:t>
-            </a:r>
-          </a:p>
-          <a:p>
-            <a:r>
-              <a:rPr lang="en-US" dirty="0"/>
-              <a:t>Content purposely designed to help .NET developers ramp up and become productive more quickly</a:t>
-            </a:r>
-          </a:p>
-          <a:p>
-            <a:r>
-              <a:rPr lang="en-US" dirty="0"/>
-              <a:t>Repository for content presented at the NEO Blockchain Toronto meetup group</a:t>
-            </a:r>
-          </a:p>
-          <a:p>
-            <a:r>
-              <a:rPr lang="en-US" dirty="0"/>
-              <a:t>Contents</a:t>
-            </a:r>
-          </a:p>
-          <a:p>
-            <a:pPr lvl="1"/>
-            <a:r>
-              <a:rPr lang="en-US" dirty="0"/>
-              <a:t>NEO Blockchain Quick Start Guide for .NET Developers</a:t>
-            </a:r>
-            <a:br>
-              <a:rPr lang="en-US" dirty="0"/>
-            </a:br>
-            <a:r>
-              <a:rPr lang="en-US" dirty="0">
-                <a:hlinkClick r:id="rId3"/>
-              </a:rPr>
-              <a:t>https://github.com/mwherman2000/neo-windocs/tree/master/windocs/quickstart-csharp/README.md</a:t>
-            </a:r>
-            <a:r>
-              <a:rPr lang="en-US" dirty="0"/>
-              <a:t> </a:t>
-            </a:r>
-          </a:p>
-          <a:p>
-            <a:pPr lvl="1"/>
-            <a:r>
-              <a:rPr lang="en-US" dirty="0"/>
-              <a:t>NEO Blockchain Architecture Reference Model (ARM) for .NET Developers (neo-charm)</a:t>
-            </a:r>
-            <a:br>
-              <a:rPr lang="en-US" dirty="0"/>
-            </a:br>
-            <a:r>
-              <a:rPr lang="en-US" dirty="0">
-                <a:hlinkClick r:id="rId4"/>
-              </a:rPr>
-              <a:t>https://github.com/mwherman2000/neo-windocs/blob/master/windocs/neo-charm/README.md</a:t>
-            </a:r>
-            <a:r>
-              <a:rPr lang="en-US" dirty="0"/>
-              <a:t> </a:t>
-            </a:r>
-          </a:p>
-          <a:p>
-            <a:pPr lvl="1"/>
-            <a:r>
-              <a:rPr lang="en-US" dirty="0"/>
-              <a:t>NEO Blockchain Toronto Meetup</a:t>
-            </a:r>
-            <a:br>
-              <a:rPr lang="en-US" dirty="0"/>
-            </a:br>
-            <a:r>
-              <a:rPr lang="en-US" dirty="0">
-                <a:hlinkClick r:id="rId5"/>
-              </a:rPr>
-              <a:t>https://github.com/mwherman2000/neo-windocs/tree/master/events/2018-neo-blockchain-toronto</a:t>
-            </a:r>
-            <a:r>
-              <a:rPr lang="en-US" dirty="0"/>
-              <a:t> </a:t>
-            </a:r>
-          </a:p>
-        </p:txBody>
-      </p:sp>
-    </p:spTree>
-    <p:extLst>
-      <p:ext uri="{BB962C8B-B14F-4D97-AF65-F5344CB8AC3E}">
-        <p14:creationId xmlns:p14="http://schemas.microsoft.com/office/powerpoint/2010/main" val="2898092984"/>
-      </p:ext>
-    </p:extLst>
-  </p:cSld>
-  <p:clrMapOvr>
-    <a:masterClrMapping/>
-  </p:clrMapOvr>
-</p:sld>
-</file>
-
 <file path=ppt/slides/slide2.xml><?xml version="1.0" encoding="utf-8"?>
 <p:sld xmlns:a="http://schemas.openxmlformats.org/drawingml/2006/main" xmlns:r="http://schemas.openxmlformats.org/officeDocument/2006/relationships" xmlns:p="http://schemas.openxmlformats.org/presentationml/2006/main">
   <p:cSld>
@@ -16393,6 +16440,211 @@
           <p:cNvPr id="2" name="Title 1">
             <a:extLst>
               <a:ext uri="{FF2B5EF4-FFF2-40B4-BE49-F238E27FC236}">
+                <a16:creationId xmlns:a16="http://schemas.microsoft.com/office/drawing/2014/main" id="{5D6AE72C-DF40-4317-B3AE-312AE6A63AFA}"/>
+              </a:ext>
+            </a:extLst>
+          </p:cNvPr>
+          <p:cNvSpPr>
+            <a:spLocks noGrp="1"/>
+          </p:cNvSpPr>
+          <p:nvPr>
+            <p:ph type="title"/>
+          </p:nvPr>
+        </p:nvSpPr>
+        <p:spPr/>
+        <p:txBody>
+          <a:bodyPr>
+            <a:normAutofit fontScale="90000"/>
+          </a:bodyPr>
+          <a:lstStyle/>
+          <a:p>
+            <a:r>
+              <a:rPr lang="en-CA" dirty="0"/>
+              <a:t>neo-</a:t>
+            </a:r>
+            <a:r>
+              <a:rPr lang="en-CA" dirty="0" err="1"/>
+              <a:t>windocs</a:t>
+            </a:r>
+            <a:r>
+              <a:rPr lang="en-CA" dirty="0"/>
+              <a:t> Project</a:t>
+            </a:r>
+            <a:br>
+              <a:rPr lang="en-CA" dirty="0"/>
+            </a:br>
+            <a:r>
+              <a:rPr lang="en-CA" sz="2700" dirty="0"/>
+              <a:t>https://github.com/mwherman2000/neo-windocs</a:t>
+            </a:r>
+            <a:endParaRPr lang="en-US" sz="2700" dirty="0"/>
+          </a:p>
+        </p:txBody>
+      </p:sp>
+      <p:sp>
+        <p:nvSpPr>
+          <p:cNvPr id="3" name="Content Placeholder 2">
+            <a:extLst>
+              <a:ext uri="{FF2B5EF4-FFF2-40B4-BE49-F238E27FC236}">
+                <a16:creationId xmlns:a16="http://schemas.microsoft.com/office/drawing/2014/main" id="{989A5CB1-73DD-4111-880D-82F36ACE3D1A}"/>
+              </a:ext>
+            </a:extLst>
+          </p:cNvPr>
+          <p:cNvSpPr>
+            <a:spLocks noGrp="1"/>
+          </p:cNvSpPr>
+          <p:nvPr>
+            <p:ph idx="1"/>
+          </p:nvPr>
+        </p:nvSpPr>
+        <p:spPr>
+          <a:xfrm>
+            <a:off x="677334" y="1801906"/>
+            <a:ext cx="9326476" cy="5056093"/>
+          </a:xfrm>
+        </p:spPr>
+        <p:txBody>
+          <a:bodyPr>
+            <a:normAutofit/>
+          </a:bodyPr>
+          <a:lstStyle/>
+          <a:p>
+            <a:r>
+              <a:rPr lang="en-CA" dirty="0"/>
+              <a:t>Founder: Michael Herman (</a:t>
+            </a:r>
+            <a:r>
+              <a:rPr lang="en-CA" dirty="0">
+                <a:hlinkClick r:id="rId2"/>
+              </a:rPr>
+              <a:t>neotoronto@outlook.com</a:t>
+            </a:r>
+            <a:r>
+              <a:rPr lang="en-CA" dirty="0"/>
+              <a:t>)</a:t>
+            </a:r>
+          </a:p>
+          <a:p>
+            <a:r>
+              <a:rPr lang="en-US" dirty="0"/>
+              <a:t>NEO Blockchain end-to-end, detailed guidance for .NET developers</a:t>
+            </a:r>
+          </a:p>
+          <a:p>
+            <a:r>
+              <a:rPr lang="en-US" dirty="0"/>
+              <a:t>Content purposely designed to help .NET developers ramp up and become productive more quickly</a:t>
+            </a:r>
+          </a:p>
+          <a:p>
+            <a:r>
+              <a:rPr lang="en-US" dirty="0"/>
+              <a:t>Repository for content presented at the NEO Blockchain Toronto meetup group</a:t>
+            </a:r>
+          </a:p>
+          <a:p>
+            <a:r>
+              <a:rPr lang="en-US" dirty="0"/>
+              <a:t>Contents</a:t>
+            </a:r>
+          </a:p>
+          <a:p>
+            <a:pPr lvl="1"/>
+            <a:r>
+              <a:rPr lang="en-US" dirty="0"/>
+              <a:t>NEO Blockchain Quick Start Guide for .NET Developers</a:t>
+            </a:r>
+            <a:br>
+              <a:rPr lang="en-US" dirty="0"/>
+            </a:br>
+            <a:r>
+              <a:rPr lang="en-US" dirty="0">
+                <a:hlinkClick r:id="rId3"/>
+              </a:rPr>
+              <a:t>https://github.com/mwherman2000/neo-windocs/tree/master/windocs/quickstart-csharp/README.md</a:t>
+            </a:r>
+            <a:r>
+              <a:rPr lang="en-US" dirty="0"/>
+              <a:t> </a:t>
+            </a:r>
+          </a:p>
+          <a:p>
+            <a:pPr lvl="1"/>
+            <a:r>
+              <a:rPr lang="en-US" dirty="0"/>
+              <a:t>NEO Blockchain Architecture Reference Model (ARM) for .NET Developers (neo-charm)</a:t>
+            </a:r>
+            <a:br>
+              <a:rPr lang="en-US" dirty="0"/>
+            </a:br>
+            <a:r>
+              <a:rPr lang="en-US" dirty="0">
+                <a:hlinkClick r:id="rId4"/>
+              </a:rPr>
+              <a:t>https://github.com/mwherman2000/neo-windocs/blob/master/windocs/neo-charm/README.md</a:t>
+            </a:r>
+            <a:r>
+              <a:rPr lang="en-US" dirty="0"/>
+              <a:t> </a:t>
+            </a:r>
+          </a:p>
+          <a:p>
+            <a:pPr lvl="1"/>
+            <a:r>
+              <a:rPr lang="en-US" dirty="0"/>
+              <a:t>NEO Blockchain Toronto Meetup</a:t>
+            </a:r>
+            <a:br>
+              <a:rPr lang="en-US" dirty="0"/>
+            </a:br>
+            <a:r>
+              <a:rPr lang="en-US" dirty="0">
+                <a:hlinkClick r:id="rId5"/>
+              </a:rPr>
+              <a:t>https://github.com/mwherman2000/neo-windocs/tree/master/events/2018-neo-blockchain-toronto</a:t>
+            </a:r>
+            <a:r>
+              <a:rPr lang="en-US" dirty="0"/>
+              <a:t> </a:t>
+            </a:r>
+          </a:p>
+        </p:txBody>
+      </p:sp>
+    </p:spTree>
+    <p:extLst>
+      <p:ext uri="{BB962C8B-B14F-4D97-AF65-F5344CB8AC3E}">
+        <p14:creationId xmlns:p14="http://schemas.microsoft.com/office/powerpoint/2010/main" val="2898092984"/>
+      </p:ext>
+    </p:extLst>
+  </p:cSld>
+  <p:clrMapOvr>
+    <a:masterClrMapping/>
+  </p:clrMapOvr>
+</p:sld>
+</file>
+
+<file path=ppt/slides/slide21.xml><?xml version="1.0" encoding="utf-8"?>
+<p:sld xmlns:a="http://schemas.openxmlformats.org/drawingml/2006/main" xmlns:r="http://schemas.openxmlformats.org/officeDocument/2006/relationships" xmlns:p="http://schemas.openxmlformats.org/presentationml/2006/main">
+  <p:cSld>
+    <p:spTree>
+      <p:nvGrpSpPr>
+        <p:cNvPr id="1" name=""/>
+        <p:cNvGrpSpPr/>
+        <p:nvPr/>
+      </p:nvGrpSpPr>
+      <p:grpSpPr>
+        <a:xfrm>
+          <a:off x="0" y="0"/>
+          <a:ext cx="0" cy="0"/>
+          <a:chOff x="0" y="0"/>
+          <a:chExt cx="0" cy="0"/>
+        </a:xfrm>
+      </p:grpSpPr>
+      <p:sp>
+        <p:nvSpPr>
+          <p:cNvPr id="2" name="Title 1">
+            <a:extLst>
+              <a:ext uri="{FF2B5EF4-FFF2-40B4-BE49-F238E27FC236}">
                 <a16:creationId xmlns:a16="http://schemas.microsoft.com/office/drawing/2014/main" id="{E69B6798-0E27-464C-9C26-AB8334C19AFA}"/>
               </a:ext>
             </a:extLst>
@@ -16709,7 +16961,7 @@
 </p:sld>
 </file>
 
-<file path=ppt/slides/slide21.xml><?xml version="1.0" encoding="utf-8"?>
+<file path=ppt/slides/slide22.xml><?xml version="1.0" encoding="utf-8"?>
 <p:sld xmlns:a="http://schemas.openxmlformats.org/drawingml/2006/main" xmlns:r="http://schemas.openxmlformats.org/officeDocument/2006/relationships" xmlns:p="http://schemas.openxmlformats.org/presentationml/2006/main">
   <p:cSld>
     <p:spTree>
@@ -16821,7 +17073,7 @@
 </p:sld>
 </file>
 
-<file path=ppt/slides/slide22.xml><?xml version="1.0" encoding="utf-8"?>
+<file path=ppt/slides/slide23.xml><?xml version="1.0" encoding="utf-8"?>
 <p:sld xmlns:a="http://schemas.openxmlformats.org/drawingml/2006/main" xmlns:r="http://schemas.openxmlformats.org/officeDocument/2006/relationships" xmlns:p="http://schemas.openxmlformats.org/presentationml/2006/main">
   <p:cSld>
     <p:spTree>
@@ -16946,368 +17198,6 @@
 </p:sld>
 </file>
 
-<file path=ppt/slides/slide23.xml><?xml version="1.0" encoding="utf-8"?>
-<p:sld xmlns:a="http://schemas.openxmlformats.org/drawingml/2006/main" xmlns:r="http://schemas.openxmlformats.org/officeDocument/2006/relationships" xmlns:p="http://schemas.openxmlformats.org/presentationml/2006/main">
-  <p:cSld>
-    <p:spTree>
-      <p:nvGrpSpPr>
-        <p:cNvPr id="1" name=""/>
-        <p:cNvGrpSpPr/>
-        <p:nvPr/>
-      </p:nvGrpSpPr>
-      <p:grpSpPr>
-        <a:xfrm>
-          <a:off x="0" y="0"/>
-          <a:ext cx="0" cy="0"/>
-          <a:chOff x="0" y="0"/>
-          <a:chExt cx="0" cy="0"/>
-        </a:xfrm>
-      </p:grpSpPr>
-      <p:sp>
-        <p:nvSpPr>
-          <p:cNvPr id="2" name="Title 1">
-            <a:extLst>
-              <a:ext uri="{FF2B5EF4-FFF2-40B4-BE49-F238E27FC236}">
-                <a16:creationId xmlns:a16="http://schemas.microsoft.com/office/drawing/2014/main" id="{52CF9429-AA32-4FBE-ABAA-E013C5A1094B}"/>
-              </a:ext>
-            </a:extLst>
-          </p:cNvPr>
-          <p:cNvSpPr>
-            <a:spLocks noGrp="1"/>
-          </p:cNvSpPr>
-          <p:nvPr>
-            <p:ph type="title"/>
-          </p:nvPr>
-        </p:nvSpPr>
-        <p:spPr/>
-        <p:txBody>
-          <a:bodyPr/>
-          <a:lstStyle/>
-          <a:p>
-            <a:r>
-              <a:rPr lang="en-CA" dirty="0"/>
-              <a:t>Our Values as </a:t>
-            </a:r>
-            <a:r>
-              <a:rPr lang="en-CA" i="1" dirty="0"/>
-              <a:t>Neoxplorers</a:t>
-            </a:r>
-          </a:p>
-        </p:txBody>
-      </p:sp>
-      <p:sp>
-        <p:nvSpPr>
-          <p:cNvPr id="3" name="Content Placeholder 2">
-            <a:extLst>
-              <a:ext uri="{FF2B5EF4-FFF2-40B4-BE49-F238E27FC236}">
-                <a16:creationId xmlns:a16="http://schemas.microsoft.com/office/drawing/2014/main" id="{416D69F6-D9F8-4869-B695-28AD5D234E8F}"/>
-              </a:ext>
-            </a:extLst>
-          </p:cNvPr>
-          <p:cNvSpPr>
-            <a:spLocks noGrp="1"/>
-          </p:cNvSpPr>
-          <p:nvPr>
-            <p:ph sz="half" idx="1"/>
-          </p:nvPr>
-        </p:nvSpPr>
-        <p:spPr>
-          <a:xfrm>
-            <a:off x="677334" y="1661613"/>
-            <a:ext cx="4184035" cy="4245898"/>
-          </a:xfrm>
-        </p:spPr>
-        <p:txBody>
-          <a:bodyPr>
-            <a:normAutofit lnSpcReduction="10000"/>
-          </a:bodyPr>
-          <a:lstStyle/>
-          <a:p>
-            <a:pPr marL="0" indent="0">
-              <a:buNone/>
-            </a:pPr>
-            <a:r>
-              <a:rPr lang="en-CA" b="1" dirty="0"/>
-              <a:t>We </a:t>
-            </a:r>
-            <a:r>
-              <a:rPr lang="en-CA" b="1" u="sng" dirty="0"/>
-              <a:t>operate</a:t>
-            </a:r>
-            <a:r>
-              <a:rPr lang="en-CA" b="1" dirty="0"/>
-              <a:t> like a blockchain</a:t>
-            </a:r>
-          </a:p>
-          <a:p>
-            <a:r>
-              <a:rPr lang="en-CA" dirty="0"/>
-              <a:t>Decentralized</a:t>
-            </a:r>
-          </a:p>
-          <a:p>
-            <a:r>
-              <a:rPr lang="en-CA" dirty="0"/>
-              <a:t>Community based</a:t>
-            </a:r>
-          </a:p>
-          <a:p>
-            <a:r>
-              <a:rPr lang="en-CA" dirty="0"/>
-              <a:t>Consensus driven</a:t>
-            </a:r>
-          </a:p>
-          <a:p>
-            <a:r>
-              <a:rPr lang="en-CA" dirty="0"/>
-              <a:t>Creators of value</a:t>
-            </a:r>
-          </a:p>
-          <a:p>
-            <a:r>
-              <a:rPr lang="en-CA" dirty="0"/>
-              <a:t>Store value</a:t>
-            </a:r>
-          </a:p>
-          <a:p>
-            <a:r>
-              <a:rPr lang="en-CA" dirty="0"/>
-              <a:t>Transfer value</a:t>
-            </a:r>
-          </a:p>
-          <a:p>
-            <a:r>
-              <a:rPr lang="en-CA" dirty="0"/>
-              <a:t>Multi-disciplinary</a:t>
-            </a:r>
-          </a:p>
-          <a:p>
-            <a:r>
-              <a:rPr lang="en-CA" dirty="0"/>
-              <a:t>Multi-application</a:t>
-            </a:r>
-          </a:p>
-          <a:p>
-            <a:r>
-              <a:rPr lang="en-CA" dirty="0"/>
-              <a:t>Multi-technology</a:t>
-            </a:r>
-          </a:p>
-          <a:p>
-            <a:r>
-              <a:rPr lang="en-CA" dirty="0"/>
-              <a:t>Multi-industry</a:t>
-            </a:r>
-          </a:p>
-        </p:txBody>
-      </p:sp>
-      <p:sp>
-        <p:nvSpPr>
-          <p:cNvPr id="7" name="Content Placeholder 6">
-            <a:extLst>
-              <a:ext uri="{FF2B5EF4-FFF2-40B4-BE49-F238E27FC236}">
-                <a16:creationId xmlns:a16="http://schemas.microsoft.com/office/drawing/2014/main" id="{0D9AA23D-39A1-4CD1-BB1C-34168F7BAB5D}"/>
-              </a:ext>
-            </a:extLst>
-          </p:cNvPr>
-          <p:cNvSpPr>
-            <a:spLocks noGrp="1"/>
-          </p:cNvSpPr>
-          <p:nvPr>
-            <p:ph sz="half" idx="2"/>
-          </p:nvPr>
-        </p:nvSpPr>
-        <p:spPr>
-          <a:xfrm>
-            <a:off x="4748298" y="1661613"/>
-            <a:ext cx="4184034" cy="4245898"/>
-          </a:xfrm>
-        </p:spPr>
-        <p:txBody>
-          <a:bodyPr>
-            <a:normAutofit lnSpcReduction="10000"/>
-          </a:bodyPr>
-          <a:lstStyle/>
-          <a:p>
-            <a:pPr marL="0" indent="0">
-              <a:buNone/>
-            </a:pPr>
-            <a:r>
-              <a:rPr lang="en-CA" b="1" dirty="0"/>
-              <a:t>We </a:t>
-            </a:r>
-            <a:r>
-              <a:rPr lang="en-CA" b="1" u="sng" dirty="0"/>
-              <a:t>behave</a:t>
-            </a:r>
-            <a:r>
-              <a:rPr lang="en-CA" b="1" dirty="0"/>
-              <a:t> like a blockchain</a:t>
-            </a:r>
-          </a:p>
-          <a:p>
-            <a:r>
-              <a:rPr lang="en-CA" dirty="0"/>
-              <a:t>Robust</a:t>
-            </a:r>
-          </a:p>
-          <a:p>
-            <a:r>
-              <a:rPr lang="en-CA" dirty="0"/>
-              <a:t>Reliable</a:t>
-            </a:r>
-          </a:p>
-          <a:p>
-            <a:r>
-              <a:rPr lang="en-CA" dirty="0"/>
-              <a:t>Transparent</a:t>
-            </a:r>
-          </a:p>
-          <a:p>
-            <a:r>
-              <a:rPr lang="en-CA" dirty="0"/>
-              <a:t>Smart</a:t>
-            </a:r>
-          </a:p>
-          <a:p>
-            <a:r>
-              <a:rPr lang="en-CA" dirty="0"/>
-              <a:t>Open</a:t>
-            </a:r>
-          </a:p>
-          <a:p>
-            <a:r>
-              <a:rPr lang="en-CA" dirty="0"/>
-              <a:t>Non-discriminatory</a:t>
-            </a:r>
-          </a:p>
-          <a:p>
-            <a:r>
-              <a:rPr lang="en-CA" dirty="0"/>
-              <a:t>Participatory</a:t>
-            </a:r>
-          </a:p>
-          <a:p>
-            <a:r>
-              <a:rPr lang="en-CA" dirty="0"/>
-              <a:t>Diverse</a:t>
-            </a:r>
-          </a:p>
-          <a:p>
-            <a:r>
-              <a:rPr lang="en-CA" dirty="0"/>
-              <a:t>Committed</a:t>
-            </a:r>
-          </a:p>
-          <a:p>
-            <a:r>
-              <a:rPr lang="en-CA" dirty="0"/>
-              <a:t>Watching out for the next person</a:t>
-            </a:r>
-          </a:p>
-        </p:txBody>
-      </p:sp>
-      <p:sp>
-        <p:nvSpPr>
-          <p:cNvPr id="4" name="Date Placeholder 3">
-            <a:extLst>
-              <a:ext uri="{FF2B5EF4-FFF2-40B4-BE49-F238E27FC236}">
-                <a16:creationId xmlns:a16="http://schemas.microsoft.com/office/drawing/2014/main" id="{53F6F868-9731-4BB8-A248-65752CC8F494}"/>
-              </a:ext>
-            </a:extLst>
-          </p:cNvPr>
-          <p:cNvSpPr>
-            <a:spLocks noGrp="1"/>
-          </p:cNvSpPr>
-          <p:nvPr>
-            <p:ph type="dt" sz="half" idx="10"/>
-          </p:nvPr>
-        </p:nvSpPr>
-        <p:spPr/>
-        <p:txBody>
-          <a:bodyPr/>
-          <a:lstStyle/>
-          <a:p>
-            <a:r>
-              <a:rPr lang="en-US"/>
-              <a:t>3/14/2018</a:t>
-            </a:r>
-            <a:endParaRPr lang="en-US" dirty="0"/>
-          </a:p>
-        </p:txBody>
-      </p:sp>
-      <p:sp>
-        <p:nvSpPr>
-          <p:cNvPr id="5" name="Footer Placeholder 4">
-            <a:extLst>
-              <a:ext uri="{FF2B5EF4-FFF2-40B4-BE49-F238E27FC236}">
-                <a16:creationId xmlns:a16="http://schemas.microsoft.com/office/drawing/2014/main" id="{BAF235CB-0FBB-4764-A879-3471BAA4060A}"/>
-              </a:ext>
-            </a:extLst>
-          </p:cNvPr>
-          <p:cNvSpPr>
-            <a:spLocks noGrp="1"/>
-          </p:cNvSpPr>
-          <p:nvPr>
-            <p:ph type="ftr" sz="quarter" idx="11"/>
-          </p:nvPr>
-        </p:nvSpPr>
-        <p:spPr/>
-        <p:txBody>
-          <a:bodyPr/>
-          <a:lstStyle/>
-          <a:p>
-            <a:r>
-              <a:rPr lang="en-US"/>
-              <a:t>NEO Blockchain Toronto</a:t>
-            </a:r>
-            <a:endParaRPr lang="en-US" dirty="0"/>
-          </a:p>
-        </p:txBody>
-      </p:sp>
-      <p:sp>
-        <p:nvSpPr>
-          <p:cNvPr id="6" name="Slide Number Placeholder 5">
-            <a:extLst>
-              <a:ext uri="{FF2B5EF4-FFF2-40B4-BE49-F238E27FC236}">
-                <a16:creationId xmlns:a16="http://schemas.microsoft.com/office/drawing/2014/main" id="{B7770D10-9999-434C-A2E7-53DC220DE37B}"/>
-              </a:ext>
-            </a:extLst>
-          </p:cNvPr>
-          <p:cNvSpPr>
-            <a:spLocks noGrp="1"/>
-          </p:cNvSpPr>
-          <p:nvPr>
-            <p:ph type="sldNum" sz="quarter" idx="12"/>
-          </p:nvPr>
-        </p:nvSpPr>
-        <p:spPr/>
-        <p:txBody>
-          <a:bodyPr/>
-          <a:lstStyle/>
-          <a:p>
-            <a:fld id="{D57F1E4F-1CFF-5643-939E-217C01CDF565}" type="slidenum">
-              <a:rPr lang="en-US" smtClean="0"/>
-              <a:pPr/>
-              <a:t>23</a:t>
-            </a:fld>
-            <a:endParaRPr lang="en-US" dirty="0"/>
-          </a:p>
-        </p:txBody>
-      </p:sp>
-    </p:spTree>
-    <p:extLst>
-      <p:ext uri="{BB962C8B-B14F-4D97-AF65-F5344CB8AC3E}">
-        <p14:creationId xmlns:p14="http://schemas.microsoft.com/office/powerpoint/2010/main" val="621685807"/>
-      </p:ext>
-    </p:extLst>
-  </p:cSld>
-  <p:clrMapOvr>
-    <a:masterClrMapping/>
-  </p:clrMapOvr>
-</p:sld>
-</file>
-
 <file path=ppt/slides/slide24.xml><?xml version="1.0" encoding="utf-8"?>
 <p:sld xmlns:a="http://schemas.openxmlformats.org/drawingml/2006/main" xmlns:r="http://schemas.openxmlformats.org/officeDocument/2006/relationships" xmlns:p="http://schemas.openxmlformats.org/presentationml/2006/main">
   <p:cSld>
@@ -17330,6 +17220,368 @@
           <p:cNvPr id="2" name="Title 1">
             <a:extLst>
               <a:ext uri="{FF2B5EF4-FFF2-40B4-BE49-F238E27FC236}">
+                <a16:creationId xmlns:a16="http://schemas.microsoft.com/office/drawing/2014/main" id="{52CF9429-AA32-4FBE-ABAA-E013C5A1094B}"/>
+              </a:ext>
+            </a:extLst>
+          </p:cNvPr>
+          <p:cNvSpPr>
+            <a:spLocks noGrp="1"/>
+          </p:cNvSpPr>
+          <p:nvPr>
+            <p:ph type="title"/>
+          </p:nvPr>
+        </p:nvSpPr>
+        <p:spPr/>
+        <p:txBody>
+          <a:bodyPr/>
+          <a:lstStyle/>
+          <a:p>
+            <a:r>
+              <a:rPr lang="en-CA" dirty="0"/>
+              <a:t>Our Values as </a:t>
+            </a:r>
+            <a:r>
+              <a:rPr lang="en-CA" i="1" dirty="0"/>
+              <a:t>Neoxplorers</a:t>
+            </a:r>
+          </a:p>
+        </p:txBody>
+      </p:sp>
+      <p:sp>
+        <p:nvSpPr>
+          <p:cNvPr id="3" name="Content Placeholder 2">
+            <a:extLst>
+              <a:ext uri="{FF2B5EF4-FFF2-40B4-BE49-F238E27FC236}">
+                <a16:creationId xmlns:a16="http://schemas.microsoft.com/office/drawing/2014/main" id="{416D69F6-D9F8-4869-B695-28AD5D234E8F}"/>
+              </a:ext>
+            </a:extLst>
+          </p:cNvPr>
+          <p:cNvSpPr>
+            <a:spLocks noGrp="1"/>
+          </p:cNvSpPr>
+          <p:nvPr>
+            <p:ph sz="half" idx="1"/>
+          </p:nvPr>
+        </p:nvSpPr>
+        <p:spPr>
+          <a:xfrm>
+            <a:off x="677334" y="1661613"/>
+            <a:ext cx="4184035" cy="4245898"/>
+          </a:xfrm>
+        </p:spPr>
+        <p:txBody>
+          <a:bodyPr>
+            <a:normAutofit lnSpcReduction="10000"/>
+          </a:bodyPr>
+          <a:lstStyle/>
+          <a:p>
+            <a:pPr marL="0" indent="0">
+              <a:buNone/>
+            </a:pPr>
+            <a:r>
+              <a:rPr lang="en-CA" b="1" dirty="0"/>
+              <a:t>We </a:t>
+            </a:r>
+            <a:r>
+              <a:rPr lang="en-CA" b="1" u="sng" dirty="0"/>
+              <a:t>operate</a:t>
+            </a:r>
+            <a:r>
+              <a:rPr lang="en-CA" b="1" dirty="0"/>
+              <a:t> like a blockchain</a:t>
+            </a:r>
+          </a:p>
+          <a:p>
+            <a:r>
+              <a:rPr lang="en-CA" dirty="0"/>
+              <a:t>Decentralized</a:t>
+            </a:r>
+          </a:p>
+          <a:p>
+            <a:r>
+              <a:rPr lang="en-CA" dirty="0"/>
+              <a:t>Community based</a:t>
+            </a:r>
+          </a:p>
+          <a:p>
+            <a:r>
+              <a:rPr lang="en-CA" dirty="0"/>
+              <a:t>Consensus driven</a:t>
+            </a:r>
+          </a:p>
+          <a:p>
+            <a:r>
+              <a:rPr lang="en-CA" dirty="0"/>
+              <a:t>Creators of value</a:t>
+            </a:r>
+          </a:p>
+          <a:p>
+            <a:r>
+              <a:rPr lang="en-CA" dirty="0"/>
+              <a:t>Store value</a:t>
+            </a:r>
+          </a:p>
+          <a:p>
+            <a:r>
+              <a:rPr lang="en-CA" dirty="0"/>
+              <a:t>Transfer value</a:t>
+            </a:r>
+          </a:p>
+          <a:p>
+            <a:r>
+              <a:rPr lang="en-CA" dirty="0"/>
+              <a:t>Multi-disciplinary</a:t>
+            </a:r>
+          </a:p>
+          <a:p>
+            <a:r>
+              <a:rPr lang="en-CA" dirty="0"/>
+              <a:t>Multi-application</a:t>
+            </a:r>
+          </a:p>
+          <a:p>
+            <a:r>
+              <a:rPr lang="en-CA" dirty="0"/>
+              <a:t>Multi-technology</a:t>
+            </a:r>
+          </a:p>
+          <a:p>
+            <a:r>
+              <a:rPr lang="en-CA" dirty="0"/>
+              <a:t>Multi-industry</a:t>
+            </a:r>
+          </a:p>
+        </p:txBody>
+      </p:sp>
+      <p:sp>
+        <p:nvSpPr>
+          <p:cNvPr id="7" name="Content Placeholder 6">
+            <a:extLst>
+              <a:ext uri="{FF2B5EF4-FFF2-40B4-BE49-F238E27FC236}">
+                <a16:creationId xmlns:a16="http://schemas.microsoft.com/office/drawing/2014/main" id="{0D9AA23D-39A1-4CD1-BB1C-34168F7BAB5D}"/>
+              </a:ext>
+            </a:extLst>
+          </p:cNvPr>
+          <p:cNvSpPr>
+            <a:spLocks noGrp="1"/>
+          </p:cNvSpPr>
+          <p:nvPr>
+            <p:ph sz="half" idx="2"/>
+          </p:nvPr>
+        </p:nvSpPr>
+        <p:spPr>
+          <a:xfrm>
+            <a:off x="4748298" y="1661613"/>
+            <a:ext cx="4184034" cy="4245898"/>
+          </a:xfrm>
+        </p:spPr>
+        <p:txBody>
+          <a:bodyPr>
+            <a:normAutofit lnSpcReduction="10000"/>
+          </a:bodyPr>
+          <a:lstStyle/>
+          <a:p>
+            <a:pPr marL="0" indent="0">
+              <a:buNone/>
+            </a:pPr>
+            <a:r>
+              <a:rPr lang="en-CA" b="1" dirty="0"/>
+              <a:t>We </a:t>
+            </a:r>
+            <a:r>
+              <a:rPr lang="en-CA" b="1" u="sng" dirty="0"/>
+              <a:t>behave</a:t>
+            </a:r>
+            <a:r>
+              <a:rPr lang="en-CA" b="1" dirty="0"/>
+              <a:t> like a blockchain</a:t>
+            </a:r>
+          </a:p>
+          <a:p>
+            <a:r>
+              <a:rPr lang="en-CA" dirty="0"/>
+              <a:t>Robust</a:t>
+            </a:r>
+          </a:p>
+          <a:p>
+            <a:r>
+              <a:rPr lang="en-CA" dirty="0"/>
+              <a:t>Reliable</a:t>
+            </a:r>
+          </a:p>
+          <a:p>
+            <a:r>
+              <a:rPr lang="en-CA" dirty="0"/>
+              <a:t>Transparent</a:t>
+            </a:r>
+          </a:p>
+          <a:p>
+            <a:r>
+              <a:rPr lang="en-CA" dirty="0"/>
+              <a:t>Smart</a:t>
+            </a:r>
+          </a:p>
+          <a:p>
+            <a:r>
+              <a:rPr lang="en-CA" dirty="0"/>
+              <a:t>Open</a:t>
+            </a:r>
+          </a:p>
+          <a:p>
+            <a:r>
+              <a:rPr lang="en-CA" dirty="0"/>
+              <a:t>Non-discriminatory</a:t>
+            </a:r>
+          </a:p>
+          <a:p>
+            <a:r>
+              <a:rPr lang="en-CA" dirty="0"/>
+              <a:t>Participatory</a:t>
+            </a:r>
+          </a:p>
+          <a:p>
+            <a:r>
+              <a:rPr lang="en-CA" dirty="0"/>
+              <a:t>Diverse</a:t>
+            </a:r>
+          </a:p>
+          <a:p>
+            <a:r>
+              <a:rPr lang="en-CA" dirty="0"/>
+              <a:t>Committed</a:t>
+            </a:r>
+          </a:p>
+          <a:p>
+            <a:r>
+              <a:rPr lang="en-CA" dirty="0"/>
+              <a:t>Watching out for the next person</a:t>
+            </a:r>
+          </a:p>
+        </p:txBody>
+      </p:sp>
+      <p:sp>
+        <p:nvSpPr>
+          <p:cNvPr id="4" name="Date Placeholder 3">
+            <a:extLst>
+              <a:ext uri="{FF2B5EF4-FFF2-40B4-BE49-F238E27FC236}">
+                <a16:creationId xmlns:a16="http://schemas.microsoft.com/office/drawing/2014/main" id="{53F6F868-9731-4BB8-A248-65752CC8F494}"/>
+              </a:ext>
+            </a:extLst>
+          </p:cNvPr>
+          <p:cNvSpPr>
+            <a:spLocks noGrp="1"/>
+          </p:cNvSpPr>
+          <p:nvPr>
+            <p:ph type="dt" sz="half" idx="10"/>
+          </p:nvPr>
+        </p:nvSpPr>
+        <p:spPr/>
+        <p:txBody>
+          <a:bodyPr/>
+          <a:lstStyle/>
+          <a:p>
+            <a:r>
+              <a:rPr lang="en-US"/>
+              <a:t>3/14/2018</a:t>
+            </a:r>
+            <a:endParaRPr lang="en-US" dirty="0"/>
+          </a:p>
+        </p:txBody>
+      </p:sp>
+      <p:sp>
+        <p:nvSpPr>
+          <p:cNvPr id="5" name="Footer Placeholder 4">
+            <a:extLst>
+              <a:ext uri="{FF2B5EF4-FFF2-40B4-BE49-F238E27FC236}">
+                <a16:creationId xmlns:a16="http://schemas.microsoft.com/office/drawing/2014/main" id="{BAF235CB-0FBB-4764-A879-3471BAA4060A}"/>
+              </a:ext>
+            </a:extLst>
+          </p:cNvPr>
+          <p:cNvSpPr>
+            <a:spLocks noGrp="1"/>
+          </p:cNvSpPr>
+          <p:nvPr>
+            <p:ph type="ftr" sz="quarter" idx="11"/>
+          </p:nvPr>
+        </p:nvSpPr>
+        <p:spPr/>
+        <p:txBody>
+          <a:bodyPr/>
+          <a:lstStyle/>
+          <a:p>
+            <a:r>
+              <a:rPr lang="en-US"/>
+              <a:t>NEO Blockchain Toronto</a:t>
+            </a:r>
+            <a:endParaRPr lang="en-US" dirty="0"/>
+          </a:p>
+        </p:txBody>
+      </p:sp>
+      <p:sp>
+        <p:nvSpPr>
+          <p:cNvPr id="6" name="Slide Number Placeholder 5">
+            <a:extLst>
+              <a:ext uri="{FF2B5EF4-FFF2-40B4-BE49-F238E27FC236}">
+                <a16:creationId xmlns:a16="http://schemas.microsoft.com/office/drawing/2014/main" id="{B7770D10-9999-434C-A2E7-53DC220DE37B}"/>
+              </a:ext>
+            </a:extLst>
+          </p:cNvPr>
+          <p:cNvSpPr>
+            <a:spLocks noGrp="1"/>
+          </p:cNvSpPr>
+          <p:nvPr>
+            <p:ph type="sldNum" sz="quarter" idx="12"/>
+          </p:nvPr>
+        </p:nvSpPr>
+        <p:spPr/>
+        <p:txBody>
+          <a:bodyPr/>
+          <a:lstStyle/>
+          <a:p>
+            <a:fld id="{D57F1E4F-1CFF-5643-939E-217C01CDF565}" type="slidenum">
+              <a:rPr lang="en-US" smtClean="0"/>
+              <a:pPr/>
+              <a:t>24</a:t>
+            </a:fld>
+            <a:endParaRPr lang="en-US" dirty="0"/>
+          </a:p>
+        </p:txBody>
+      </p:sp>
+    </p:spTree>
+    <p:extLst>
+      <p:ext uri="{BB962C8B-B14F-4D97-AF65-F5344CB8AC3E}">
+        <p14:creationId xmlns:p14="http://schemas.microsoft.com/office/powerpoint/2010/main" val="621685807"/>
+      </p:ext>
+    </p:extLst>
+  </p:cSld>
+  <p:clrMapOvr>
+    <a:masterClrMapping/>
+  </p:clrMapOvr>
+</p:sld>
+</file>
+
+<file path=ppt/slides/slide25.xml><?xml version="1.0" encoding="utf-8"?>
+<p:sld xmlns:a="http://schemas.openxmlformats.org/drawingml/2006/main" xmlns:r="http://schemas.openxmlformats.org/officeDocument/2006/relationships" xmlns:p="http://schemas.openxmlformats.org/presentationml/2006/main">
+  <p:cSld>
+    <p:spTree>
+      <p:nvGrpSpPr>
+        <p:cNvPr id="1" name=""/>
+        <p:cNvGrpSpPr/>
+        <p:nvPr/>
+      </p:nvGrpSpPr>
+      <p:grpSpPr>
+        <a:xfrm>
+          <a:off x="0" y="0"/>
+          <a:ext cx="0" cy="0"/>
+          <a:chOff x="0" y="0"/>
+          <a:chExt cx="0" cy="0"/>
+        </a:xfrm>
+      </p:grpSpPr>
+      <p:sp>
+        <p:nvSpPr>
+          <p:cNvPr id="2" name="Title 1">
+            <a:extLst>
+              <a:ext uri="{FF2B5EF4-FFF2-40B4-BE49-F238E27FC236}">
                 <a16:creationId xmlns:a16="http://schemas.microsoft.com/office/drawing/2014/main" id="{C5CA6340-7AD9-4C69-810B-BEE639EBFCCD}"/>
               </a:ext>
             </a:extLst>
@@ -17458,7 +17710,7 @@
             <a:fld id="{D57F1E4F-1CFF-5643-939E-217C01CDF565}" type="slidenum">
               <a:rPr lang="en-US" smtClean="0"/>
               <a:pPr/>
-              <a:t>24</a:t>
+              <a:t>25</a:t>
             </a:fld>
             <a:endParaRPr lang="en-US" dirty="0"/>
           </a:p>
@@ -17752,7 +18004,7 @@
 </p:sld>
 </file>
 
-<file path=ppt/slides/slide25.xml><?xml version="1.0" encoding="utf-8"?>
+<file path=ppt/slides/slide26.xml><?xml version="1.0" encoding="utf-8"?>
 <p:sld xmlns:a="http://schemas.openxmlformats.org/drawingml/2006/main" xmlns:r="http://schemas.openxmlformats.org/officeDocument/2006/relationships" xmlns:p="http://schemas.openxmlformats.org/presentationml/2006/main">
   <p:cSld>
     <p:spTree>
@@ -17904,7 +18156,7 @@
             <a:fld id="{D57F1E4F-1CFF-5643-939E-217C01CDF565}" type="slidenum">
               <a:rPr lang="en-US" smtClean="0"/>
               <a:pPr/>
-              <a:t>25</a:t>
+              <a:t>26</a:t>
             </a:fld>
             <a:endParaRPr lang="en-US" dirty="0"/>
           </a:p>
@@ -17923,7 +18175,7 @@
 </p:sld>
 </file>
 
-<file path=ppt/slides/slide26.xml><?xml version="1.0" encoding="utf-8"?>
+<file path=ppt/slides/slide27.xml><?xml version="1.0" encoding="utf-8"?>
 <p:sld xmlns:a="http://schemas.openxmlformats.org/drawingml/2006/main" xmlns:r="http://schemas.openxmlformats.org/officeDocument/2006/relationships" xmlns:p="http://schemas.openxmlformats.org/presentationml/2006/main">
   <p:cSld>
     <p:spTree>
@@ -20373,7 +20625,7 @@
           </a:ln>
           <a:extLst>
             <a:ext uri="{C572A759-6A51-4108-AA02-DFA0A04FC94B}">
-              <ma14:wrappingTextBoxFlag xmlns:ma14="http://schemas.microsoft.com/office/mac/drawingml/2011/main" xmlns="" val="1"/>
+              <ma14:wrappingTextBoxFlag xmlns="" xmlns:ma14="http://schemas.microsoft.com/office/mac/drawingml/2011/main" val="1"/>
             </a:ext>
           </a:extLst>
         </p:spPr>
@@ -20416,7 +20668,7 @@
           </a:ln>
           <a:extLst>
             <a:ext uri="{C572A759-6A51-4108-AA02-DFA0A04FC94B}">
-              <ma14:wrappingTextBoxFlag xmlns:ma14="http://schemas.microsoft.com/office/mac/drawingml/2011/main" xmlns="" val="1"/>
+              <ma14:wrappingTextBoxFlag xmlns="" xmlns:ma14="http://schemas.microsoft.com/office/mac/drawingml/2011/main" val="1"/>
             </a:ext>
           </a:extLst>
         </p:spPr>
@@ -20460,7 +20712,7 @@
           </a:ln>
           <a:extLst>
             <a:ext uri="{C572A759-6A51-4108-AA02-DFA0A04FC94B}">
-              <ma14:wrappingTextBoxFlag xmlns:ma14="http://schemas.microsoft.com/office/mac/drawingml/2011/main" xmlns="" val="1"/>
+              <ma14:wrappingTextBoxFlag xmlns="" xmlns:ma14="http://schemas.microsoft.com/office/mac/drawingml/2011/main" val="1"/>
             </a:ext>
           </a:extLst>
         </p:spPr>
@@ -20504,7 +20756,7 @@
           </a:ln>
           <a:extLst>
             <a:ext uri="{C572A759-6A51-4108-AA02-DFA0A04FC94B}">
-              <ma14:wrappingTextBoxFlag xmlns:ma14="http://schemas.microsoft.com/office/mac/drawingml/2011/main" xmlns="" val="1"/>
+              <ma14:wrappingTextBoxFlag xmlns="" xmlns:ma14="http://schemas.microsoft.com/office/mac/drawingml/2011/main" val="1"/>
             </a:ext>
           </a:extLst>
         </p:spPr>

--- a/events/2018-neo-blockchain-toronto/NEO Blockchain-Toronto-20180314 Meetup-WIP.pptx
+++ b/events/2018-neo-blockchain-toronto/NEO Blockchain-Toronto-20180314 Meetup-WIP.pptx
@@ -5,7 +5,7 @@
     <p:sldMasterId id="2147483648" r:id="rId1"/>
   </p:sldMasterIdLst>
   <p:notesMasterIdLst>
-    <p:notesMasterId r:id="rId29"/>
+    <p:notesMasterId r:id="rId31"/>
   </p:notesMasterIdLst>
   <p:sldIdLst>
     <p:sldId id="256" r:id="rId2"/>
@@ -23,18 +23,20 @@
     <p:sldId id="276" r:id="rId14"/>
     <p:sldId id="277" r:id="rId15"/>
     <p:sldId id="278" r:id="rId16"/>
-    <p:sldId id="265" r:id="rId17"/>
-    <p:sldId id="279" r:id="rId18"/>
-    <p:sldId id="284" r:id="rId19"/>
-    <p:sldId id="262" r:id="rId20"/>
-    <p:sldId id="281" r:id="rId21"/>
-    <p:sldId id="259" r:id="rId22"/>
-    <p:sldId id="282" r:id="rId23"/>
-    <p:sldId id="283" r:id="rId24"/>
-    <p:sldId id="269" r:id="rId25"/>
-    <p:sldId id="263" r:id="rId26"/>
-    <p:sldId id="267" r:id="rId27"/>
-    <p:sldId id="266" r:id="rId28"/>
+    <p:sldId id="285" r:id="rId17"/>
+    <p:sldId id="286" r:id="rId18"/>
+    <p:sldId id="279" r:id="rId19"/>
+    <p:sldId id="284" r:id="rId20"/>
+    <p:sldId id="287" r:id="rId21"/>
+    <p:sldId id="262" r:id="rId22"/>
+    <p:sldId id="281" r:id="rId23"/>
+    <p:sldId id="259" r:id="rId24"/>
+    <p:sldId id="282" r:id="rId25"/>
+    <p:sldId id="283" r:id="rId26"/>
+    <p:sldId id="269" r:id="rId27"/>
+    <p:sldId id="263" r:id="rId28"/>
+    <p:sldId id="267" r:id="rId29"/>
+    <p:sldId id="266" r:id="rId30"/>
   </p:sldIdLst>
   <p:sldSz cx="12192000" cy="6858000"/>
   <p:notesSz cx="6858000" cy="9144000"/>
@@ -3740,7 +3742,7 @@
           <a:p>
             <a:fld id="{8C96CAC6-5EE5-4DF8-BED8-337C55BC9982}" type="datetimeFigureOut">
               <a:rPr lang="en-CA" smtClean="0"/>
-              <a:t>2018-02-20</a:t>
+              <a:t>2018-02-21</a:t>
             </a:fld>
             <a:endParaRPr lang="en-CA"/>
           </a:p>
@@ -14977,7 +14979,7 @@
           <p:cNvPr id="2" name="Title 1">
             <a:extLst>
               <a:ext uri="{FF2B5EF4-FFF2-40B4-BE49-F238E27FC236}">
-                <a16:creationId xmlns:a16="http://schemas.microsoft.com/office/drawing/2014/main" id="{E69B6798-0E27-464C-9C26-AB8334C19AFA}"/>
+                <a16:creationId xmlns:a16="http://schemas.microsoft.com/office/drawing/2014/main" id="{2932F76C-D0B6-4342-94E6-97671D7E12ED}"/>
               </a:ext>
             </a:extLst>
           </p:cNvPr>
@@ -14990,12 +14992,35 @@
         </p:nvSpPr>
         <p:spPr/>
         <p:txBody>
-          <a:bodyPr/>
+          <a:bodyPr>
+            <a:normAutofit fontScale="90000"/>
+          </a:bodyPr>
           <a:lstStyle/>
           <a:p>
             <a:r>
               <a:rPr lang="en-CA" dirty="0"/>
-              <a:t>NEO News</a:t>
+              <a:t>City of Zion (</a:t>
+            </a:r>
+            <a:r>
+              <a:rPr lang="en-CA" dirty="0" err="1"/>
+              <a:t>CoZ</a:t>
+            </a:r>
+            <a:r>
+              <a:rPr lang="en-CA" dirty="0"/>
+              <a:t>)</a:t>
+            </a:r>
+            <a:br>
+              <a:rPr lang="en-CA" dirty="0"/>
+            </a:br>
+            <a:r>
+              <a:rPr lang="en-CA" sz="2700" dirty="0">
+                <a:hlinkClick r:id="rId2"/>
+              </a:rPr>
+              <a:t>https://cityofzion.io/</a:t>
+            </a:r>
+            <a:r>
+              <a:rPr lang="en-CA" sz="2700" dirty="0"/>
+              <a:t> </a:t>
             </a:r>
           </a:p>
         </p:txBody>
@@ -15005,7 +15030,7 @@
           <p:cNvPr id="3" name="Content Placeholder 2">
             <a:extLst>
               <a:ext uri="{FF2B5EF4-FFF2-40B4-BE49-F238E27FC236}">
-                <a16:creationId xmlns:a16="http://schemas.microsoft.com/office/drawing/2014/main" id="{7019A0A9-E403-4795-9F88-DB86835D1E73}"/>
+                <a16:creationId xmlns:a16="http://schemas.microsoft.com/office/drawing/2014/main" id="{7BD45E3F-8B89-4533-9B94-DF27AEA197C2}"/>
               </a:ext>
             </a:extLst>
           </p:cNvPr>
@@ -15022,15 +15047,49 @@
           <a:lstStyle/>
           <a:p>
             <a:r>
+              <a:rPr lang="en-US" dirty="0"/>
+              <a:t>“Home of the Open-source Global NEO Developer Community”</a:t>
+            </a:r>
+          </a:p>
+          <a:p>
+            <a:r>
+              <a:rPr lang="en-US" dirty="0"/>
+              <a:t>We are an independent group of open source developers, designers and translators formed to support the NEO Blockchain core and ecosystem.</a:t>
+            </a:r>
+            <a:endParaRPr lang="en-CA" dirty="0"/>
+          </a:p>
+          <a:p>
+            <a:r>
               <a:rPr lang="en-CA" dirty="0"/>
-              <a:t>Who is switching to NEO?</a:t>
-            </a:r>
-          </a:p>
-          <a:p>
+              <a:t>City of Zion Repository</a:t>
+            </a:r>
+            <a:br>
+              <a:rPr lang="en-CA" dirty="0"/>
+            </a:br>
+            <a:r>
+              <a:rPr lang="en-CA" dirty="0">
+                <a:hlinkClick r:id="rId2"/>
+              </a:rPr>
+              <a:t>https://cityofzion.io/</a:t>
+            </a:r>
+            <a:r>
+              <a:rPr lang="en-CA" dirty="0"/>
+              <a:t>  </a:t>
+            </a:r>
+          </a:p>
+          <a:p>
+            <a:r>
+              <a:rPr lang="en-CA" dirty="0"/>
+              <a:t>City of Zion Projects</a:t>
+            </a:r>
+          </a:p>
+          <a:p>
+            <a:pPr lvl="1"/>
             <a:r>
               <a:rPr lang="en-CA" dirty="0"/>
               <a:t>TODO</a:t>
             </a:r>
+            <a:endParaRPr lang="en-US" dirty="0"/>
           </a:p>
         </p:txBody>
       </p:sp>
@@ -15039,7 +15098,7 @@
           <p:cNvPr id="4" name="Date Placeholder 3">
             <a:extLst>
               <a:ext uri="{FF2B5EF4-FFF2-40B4-BE49-F238E27FC236}">
-                <a16:creationId xmlns:a16="http://schemas.microsoft.com/office/drawing/2014/main" id="{839D4A78-CA7C-4183-8AA4-13B0EAD0D4CC}"/>
+                <a16:creationId xmlns:a16="http://schemas.microsoft.com/office/drawing/2014/main" id="{41015FB7-7328-4759-BE0A-80911B5E0C2B}"/>
               </a:ext>
             </a:extLst>
           </p:cNvPr>
@@ -15065,10 +15124,10 @@
       </p:sp>
       <p:sp>
         <p:nvSpPr>
-          <p:cNvPr id="7" name="Footer Placeholder 6">
+          <p:cNvPr id="5" name="Footer Placeholder 4">
             <a:extLst>
               <a:ext uri="{FF2B5EF4-FFF2-40B4-BE49-F238E27FC236}">
-                <a16:creationId xmlns:a16="http://schemas.microsoft.com/office/drawing/2014/main" id="{4A3DD541-D41D-43DB-AEE1-5A824B4788E9}"/>
+                <a16:creationId xmlns:a16="http://schemas.microsoft.com/office/drawing/2014/main" id="{7AB0C05F-3C4F-4298-8C3F-814CA4AF6F72}"/>
               </a:ext>
             </a:extLst>
           </p:cNvPr>
@@ -15094,10 +15153,10 @@
       </p:sp>
       <p:sp>
         <p:nvSpPr>
-          <p:cNvPr id="5" name="Slide Number Placeholder 4">
+          <p:cNvPr id="6" name="Slide Number Placeholder 5">
             <a:extLst>
               <a:ext uri="{FF2B5EF4-FFF2-40B4-BE49-F238E27FC236}">
-                <a16:creationId xmlns:a16="http://schemas.microsoft.com/office/drawing/2014/main" id="{FE531A56-5541-4288-8440-4DFEE9623005}"/>
+                <a16:creationId xmlns:a16="http://schemas.microsoft.com/office/drawing/2014/main" id="{CA906CA0-F080-4B2A-9669-F156071A7C03}"/>
               </a:ext>
             </a:extLst>
           </p:cNvPr>
@@ -15125,7 +15184,7 @@
     </p:spTree>
     <p:extLst>
       <p:ext uri="{BB962C8B-B14F-4D97-AF65-F5344CB8AC3E}">
-        <p14:creationId xmlns:p14="http://schemas.microsoft.com/office/powerpoint/2010/main" val="2527114941"/>
+        <p14:creationId xmlns:p14="http://schemas.microsoft.com/office/powerpoint/2010/main" val="2130104094"/>
       </p:ext>
     </p:extLst>
   </p:cSld>
@@ -15136,6 +15195,246 @@
 </file>
 
 <file path=ppt/slides/slide17.xml><?xml version="1.0" encoding="utf-8"?>
+<p:sld xmlns:a="http://schemas.openxmlformats.org/drawingml/2006/main" xmlns:r="http://schemas.openxmlformats.org/officeDocument/2006/relationships" xmlns:p="http://schemas.openxmlformats.org/presentationml/2006/main">
+  <p:cSld>
+    <p:spTree>
+      <p:nvGrpSpPr>
+        <p:cNvPr id="1" name=""/>
+        <p:cNvGrpSpPr/>
+        <p:nvPr/>
+      </p:nvGrpSpPr>
+      <p:grpSpPr>
+        <a:xfrm>
+          <a:off x="0" y="0"/>
+          <a:ext cx="0" cy="0"/>
+          <a:chOff x="0" y="0"/>
+          <a:chExt cx="0" cy="0"/>
+        </a:xfrm>
+      </p:grpSpPr>
+      <p:sp>
+        <p:nvSpPr>
+          <p:cNvPr id="2" name="Title 1">
+            <a:extLst>
+              <a:ext uri="{FF2B5EF4-FFF2-40B4-BE49-F238E27FC236}">
+                <a16:creationId xmlns:a16="http://schemas.microsoft.com/office/drawing/2014/main" id="{2932F76C-D0B6-4342-94E6-97671D7E12ED}"/>
+              </a:ext>
+            </a:extLst>
+          </p:cNvPr>
+          <p:cNvSpPr>
+            <a:spLocks noGrp="1"/>
+          </p:cNvSpPr>
+          <p:nvPr>
+            <p:ph type="title"/>
+          </p:nvPr>
+        </p:nvSpPr>
+        <p:spPr/>
+        <p:txBody>
+          <a:bodyPr>
+            <a:normAutofit/>
+          </a:bodyPr>
+          <a:lstStyle/>
+          <a:p>
+            <a:r>
+              <a:rPr lang="en-CA" dirty="0"/>
+              <a:t>How to a join CoZ?</a:t>
+            </a:r>
+            <a:endParaRPr lang="en-CA" sz="2700" dirty="0"/>
+          </a:p>
+        </p:txBody>
+      </p:sp>
+      <p:sp>
+        <p:nvSpPr>
+          <p:cNvPr id="3" name="Content Placeholder 2">
+            <a:extLst>
+              <a:ext uri="{FF2B5EF4-FFF2-40B4-BE49-F238E27FC236}">
+                <a16:creationId xmlns:a16="http://schemas.microsoft.com/office/drawing/2014/main" id="{7BD45E3F-8B89-4533-9B94-DF27AEA197C2}"/>
+              </a:ext>
+            </a:extLst>
+          </p:cNvPr>
+          <p:cNvSpPr>
+            <a:spLocks noGrp="1"/>
+          </p:cNvSpPr>
+          <p:nvPr>
+            <p:ph idx="1"/>
+          </p:nvPr>
+        </p:nvSpPr>
+        <p:spPr>
+          <a:xfrm>
+            <a:off x="677333" y="1801907"/>
+            <a:ext cx="9938851" cy="4239456"/>
+          </a:xfrm>
+        </p:spPr>
+        <p:txBody>
+          <a:bodyPr/>
+          <a:lstStyle/>
+          <a:p>
+            <a:r>
+              <a:rPr lang="en-US" dirty="0"/>
+              <a:t>The community (and acceptance) into the community is based on the principle of “doers”.</a:t>
+            </a:r>
+          </a:p>
+          <a:p>
+            <a:endParaRPr lang="en-US" dirty="0"/>
+          </a:p>
+          <a:p>
+            <a:r>
+              <a:rPr lang="en-US" dirty="0"/>
+              <a:t>mwherman2000 – February 21 at 7:57 AM</a:t>
+            </a:r>
+          </a:p>
+          <a:p>
+            <a:pPr lvl="1"/>
+            <a:r>
+              <a:rPr lang="en-US" i="1" dirty="0"/>
+              <a:t>The CoZ community is based on this deeply engrained principle of "doers" </a:t>
+            </a:r>
+          </a:p>
+          <a:p>
+            <a:pPr lvl="1"/>
+            <a:r>
+              <a:rPr lang="en-US" i="1" dirty="0"/>
+              <a:t>...you don't ask to do a project, or propose a project or anything like that.  </a:t>
+            </a:r>
+          </a:p>
+          <a:p>
+            <a:pPr lvl="1"/>
+            <a:r>
+              <a:rPr lang="en-US" i="1" dirty="0"/>
+              <a:t>…just "do it" and if CoZ thinks it's non-trivial and that you have been contributing to the NEO community, you may get invited to fork your project over to CoZ and become an official CoZ Developer. </a:t>
+            </a:r>
+          </a:p>
+          <a:p>
+            <a:pPr lvl="1"/>
+            <a:r>
+              <a:rPr lang="en-US" i="1" dirty="0"/>
+              <a:t>...so just start doing </a:t>
+            </a:r>
+            <a:r>
+              <a:rPr lang="en-US" i="1" dirty="0">
+                <a:sym typeface="Wingdings" panose="05000000000000000000" pitchFamily="2" charset="2"/>
+              </a:rPr>
+              <a:t> </a:t>
+            </a:r>
+          </a:p>
+          <a:p>
+            <a:pPr lvl="1"/>
+            <a:endParaRPr lang="en-US" dirty="0">
+              <a:sym typeface="Wingdings" panose="05000000000000000000" pitchFamily="2" charset="2"/>
+            </a:endParaRPr>
+          </a:p>
+          <a:p>
+            <a:r>
+              <a:rPr lang="en-US" dirty="0">
+                <a:sym typeface="Wingdings" panose="05000000000000000000" pitchFamily="2" charset="2"/>
+              </a:rPr>
+              <a:t>When you are invited to join, we want to you continue to “do what you’re already doing” as well as contribute to developing the broader CoZ/NEO community.</a:t>
+            </a:r>
+            <a:endParaRPr lang="en-US" dirty="0"/>
+          </a:p>
+        </p:txBody>
+      </p:sp>
+      <p:sp>
+        <p:nvSpPr>
+          <p:cNvPr id="4" name="Date Placeholder 3">
+            <a:extLst>
+              <a:ext uri="{FF2B5EF4-FFF2-40B4-BE49-F238E27FC236}">
+                <a16:creationId xmlns:a16="http://schemas.microsoft.com/office/drawing/2014/main" id="{41015FB7-7328-4759-BE0A-80911B5E0C2B}"/>
+              </a:ext>
+            </a:extLst>
+          </p:cNvPr>
+          <p:cNvSpPr>
+            <a:spLocks noGrp="1"/>
+          </p:cNvSpPr>
+          <p:nvPr>
+            <p:ph type="dt" sz="half" idx="10"/>
+          </p:nvPr>
+        </p:nvSpPr>
+        <p:spPr/>
+        <p:txBody>
+          <a:bodyPr/>
+          <a:lstStyle/>
+          <a:p>
+            <a:r>
+              <a:rPr lang="en-US"/>
+              <a:t>3/14/2018</a:t>
+            </a:r>
+            <a:endParaRPr lang="en-US" dirty="0"/>
+          </a:p>
+        </p:txBody>
+      </p:sp>
+      <p:sp>
+        <p:nvSpPr>
+          <p:cNvPr id="5" name="Footer Placeholder 4">
+            <a:extLst>
+              <a:ext uri="{FF2B5EF4-FFF2-40B4-BE49-F238E27FC236}">
+                <a16:creationId xmlns:a16="http://schemas.microsoft.com/office/drawing/2014/main" id="{7AB0C05F-3C4F-4298-8C3F-814CA4AF6F72}"/>
+              </a:ext>
+            </a:extLst>
+          </p:cNvPr>
+          <p:cNvSpPr>
+            <a:spLocks noGrp="1"/>
+          </p:cNvSpPr>
+          <p:nvPr>
+            <p:ph type="ftr" sz="quarter" idx="11"/>
+          </p:nvPr>
+        </p:nvSpPr>
+        <p:spPr/>
+        <p:txBody>
+          <a:bodyPr/>
+          <a:lstStyle/>
+          <a:p>
+            <a:r>
+              <a:rPr lang="en-US"/>
+              <a:t>NEO Blockchain Toronto</a:t>
+            </a:r>
+            <a:endParaRPr lang="en-US" dirty="0"/>
+          </a:p>
+        </p:txBody>
+      </p:sp>
+      <p:sp>
+        <p:nvSpPr>
+          <p:cNvPr id="6" name="Slide Number Placeholder 5">
+            <a:extLst>
+              <a:ext uri="{FF2B5EF4-FFF2-40B4-BE49-F238E27FC236}">
+                <a16:creationId xmlns:a16="http://schemas.microsoft.com/office/drawing/2014/main" id="{CA906CA0-F080-4B2A-9669-F156071A7C03}"/>
+              </a:ext>
+            </a:extLst>
+          </p:cNvPr>
+          <p:cNvSpPr>
+            <a:spLocks noGrp="1"/>
+          </p:cNvSpPr>
+          <p:nvPr>
+            <p:ph type="sldNum" sz="quarter" idx="12"/>
+          </p:nvPr>
+        </p:nvSpPr>
+        <p:spPr/>
+        <p:txBody>
+          <a:bodyPr/>
+          <a:lstStyle/>
+          <a:p>
+            <a:fld id="{D57F1E4F-1CFF-5643-939E-217C01CDF565}" type="slidenum">
+              <a:rPr lang="en-US" smtClean="0"/>
+              <a:pPr/>
+              <a:t>17</a:t>
+            </a:fld>
+            <a:endParaRPr lang="en-US" dirty="0"/>
+          </a:p>
+        </p:txBody>
+      </p:sp>
+    </p:spTree>
+    <p:extLst>
+      <p:ext uri="{BB962C8B-B14F-4D97-AF65-F5344CB8AC3E}">
+        <p14:creationId xmlns:p14="http://schemas.microsoft.com/office/powerpoint/2010/main" val="1510507963"/>
+      </p:ext>
+    </p:extLst>
+  </p:cSld>
+  <p:clrMapOvr>
+    <a:masterClrMapping/>
+  </p:clrMapOvr>
+</p:sld>
+</file>
+
+<file path=ppt/slides/slide18.xml><?xml version="1.0" encoding="utf-8"?>
 <p:sld xmlns:a="http://schemas.openxmlformats.org/drawingml/2006/main" xmlns:r="http://schemas.openxmlformats.org/officeDocument/2006/relationships" xmlns:p="http://schemas.openxmlformats.org/presentationml/2006/main">
   <p:cSld>
     <p:spTree>
@@ -15310,7 +15609,7 @@
             <a:fld id="{D57F1E4F-1CFF-5643-939E-217C01CDF565}" type="slidenum">
               <a:rPr lang="en-US" smtClean="0"/>
               <a:pPr/>
-              <a:t>17</a:t>
+              <a:t>18</a:t>
             </a:fld>
             <a:endParaRPr lang="en-US" dirty="0"/>
           </a:p>
@@ -15519,7 +15818,7 @@
 </p:sld>
 </file>
 
-<file path=ppt/slides/slide18.xml><?xml version="1.0" encoding="utf-8"?>
+<file path=ppt/slides/slide19.xml><?xml version="1.0" encoding="utf-8"?>
 <p:sld xmlns:a="http://schemas.openxmlformats.org/drawingml/2006/main" xmlns:r="http://schemas.openxmlformats.org/officeDocument/2006/relationships" xmlns:p="http://schemas.openxmlformats.org/presentationml/2006/main">
   <p:cSld>
     <p:spTree>
@@ -15770,7 +16069,7 @@
 </p:sld>
 </file>
 
-<file path=ppt/slides/slide19.xml><?xml version="1.0" encoding="utf-8"?>
+<file path=ppt/slides/slide2.xml><?xml version="1.0" encoding="utf-8"?>
 <p:sld xmlns:a="http://schemas.openxmlformats.org/drawingml/2006/main" xmlns:r="http://schemas.openxmlformats.org/officeDocument/2006/relationships" xmlns:p="http://schemas.openxmlformats.org/presentationml/2006/main">
   <p:cSld>
     <p:spTree>
@@ -15810,7 +16109,7 @@
           <a:p>
             <a:r>
               <a:rPr lang="en-CA" dirty="0"/>
-              <a:t>NEO Resources</a:t>
+              <a:t>Agenda</a:t>
             </a:r>
           </a:p>
         </p:txBody>
@@ -15831,208 +16130,78 @@
             <p:ph idx="1"/>
           </p:nvPr>
         </p:nvSpPr>
-        <p:spPr>
-          <a:xfrm>
-            <a:off x="677334" y="1292434"/>
-            <a:ext cx="10304431" cy="5487333"/>
-          </a:xfrm>
-        </p:spPr>
-        <p:txBody>
-          <a:bodyPr>
-            <a:normAutofit fontScale="92500" lnSpcReduction="10000"/>
-          </a:bodyPr>
+        <p:spPr/>
+        <p:txBody>
+          <a:bodyPr/>
           <a:lstStyle/>
           <a:p>
-            <a:pPr marL="0" indent="0">
-              <a:buNone/>
+            <a:pPr>
+              <a:buFont typeface="+mj-lt"/>
+              <a:buAutoNum type="arabicPeriod"/>
             </a:pPr>
             <a:r>
-              <a:rPr lang="en-CA" dirty="0"/>
-              <a:t>General</a:t>
-            </a:r>
-          </a:p>
-          <a:p>
-            <a:r>
-              <a:rPr lang="en-CA" dirty="0"/>
-              <a:t>NEO.org</a:t>
-            </a:r>
-            <a:br>
-              <a:rPr lang="en-CA" dirty="0"/>
-            </a:br>
-            <a:r>
-              <a:rPr lang="en-CA" dirty="0">
-                <a:hlinkClick r:id="rId2"/>
-              </a:rPr>
-              <a:t>http://neo.org</a:t>
-            </a:r>
-            <a:r>
-              <a:rPr lang="en-CA" dirty="0"/>
-              <a:t> </a:t>
-            </a:r>
-          </a:p>
-          <a:p>
-            <a:r>
-              <a:rPr lang="en-US" altLang="zh-CN" dirty="0"/>
-              <a:t>NEO Tutorials  (C#, Java, Python)</a:t>
-            </a:r>
-            <a:r>
-              <a:rPr lang="en-CA" dirty="0"/>
-              <a:t>, API docs</a:t>
-            </a:r>
-            <a:br>
-              <a:rPr lang="en-CA" dirty="0"/>
-            </a:br>
-            <a:r>
-              <a:rPr lang="en-US" altLang="zh-CN" dirty="0">
-                <a:hlinkClick r:id="rId3"/>
-              </a:rPr>
-              <a:t>http://docs.neo.org</a:t>
+              <a:rPr lang="en-US" dirty="0"/>
+              <a:t>Introductions</a:t>
+            </a:r>
+          </a:p>
+          <a:p>
+            <a:pPr>
+              <a:buFont typeface="+mj-lt"/>
+              <a:buAutoNum type="arabicPeriod"/>
+            </a:pPr>
+            <a:r>
+              <a:rPr lang="en-US" dirty="0"/>
+              <a:t>What is NEO?</a:t>
+            </a:r>
+          </a:p>
+          <a:p>
+            <a:pPr>
+              <a:buFont typeface="+mj-lt"/>
+              <a:buAutoNum type="arabicPeriod"/>
+            </a:pPr>
+            <a:r>
+              <a:rPr lang="en-US" dirty="0"/>
+              <a:t>Why NEO?</a:t>
+            </a:r>
+          </a:p>
+          <a:p>
+            <a:pPr>
+              <a:buFont typeface="+mj-lt"/>
+              <a:buAutoNum type="arabicPeriod"/>
+            </a:pPr>
+            <a:r>
+              <a:rPr lang="en-US" dirty="0"/>
+              <a:t>NEO Resources</a:t>
+            </a:r>
+          </a:p>
+          <a:p>
+            <a:pPr>
+              <a:buFont typeface="+mj-lt"/>
+              <a:buAutoNum type="arabicPeriod"/>
+            </a:pPr>
+            <a:r>
+              <a:rPr lang="en-US" b="1" dirty="0"/>
+              <a:t>neo-</a:t>
+            </a:r>
+            <a:r>
+              <a:rPr lang="en-US" b="1" dirty="0" err="1"/>
+              <a:t>windocs</a:t>
+            </a:r>
+            <a:r>
+              <a:rPr lang="en-US" b="1" dirty="0"/>
+              <a:t> Project</a:t>
+            </a:r>
+          </a:p>
+          <a:p>
+            <a:pPr>
+              <a:buFont typeface="+mj-lt"/>
+              <a:buAutoNum type="arabicPeriod"/>
+            </a:pPr>
+            <a:r>
+              <a:rPr lang="en-US" dirty="0"/>
+              <a:t>Networking</a:t>
             </a:r>
             <a:endParaRPr lang="en-CA" dirty="0"/>
-          </a:p>
-          <a:p>
-            <a:r>
-              <a:rPr lang="en-CA" dirty="0"/>
-              <a:t>NEO </a:t>
-            </a:r>
-            <a:r>
-              <a:rPr lang="en-CA" dirty="0" err="1"/>
-              <a:t>Devcon</a:t>
-            </a:r>
-            <a:r>
-              <a:rPr lang="en-CA" dirty="0"/>
-              <a:t> “Th New Vision” Keynote by NEO Founder</a:t>
-            </a:r>
-            <a:br>
-              <a:rPr lang="en-CA" dirty="0"/>
-            </a:br>
-            <a:r>
-              <a:rPr lang="en-CA" dirty="0">
-                <a:hlinkClick r:id="rId4"/>
-              </a:rPr>
-              <a:t>https://www.youtube.com/watch?time_continue=3&amp;v=th7jZlmoZBc</a:t>
-            </a:r>
-            <a:r>
-              <a:rPr lang="en-CA" dirty="0"/>
-              <a:t> </a:t>
-            </a:r>
-            <a:br>
-              <a:rPr lang="en-CA" dirty="0"/>
-            </a:br>
-            <a:endParaRPr lang="en-CA" dirty="0"/>
-          </a:p>
-          <a:p>
-            <a:pPr marL="0" indent="0">
-              <a:buNone/>
-            </a:pPr>
-            <a:r>
-              <a:rPr lang="en-CA" dirty="0"/>
-              <a:t>Developers</a:t>
-            </a:r>
-          </a:p>
-          <a:p>
-            <a:r>
-              <a:rPr lang="en-CA" dirty="0"/>
-              <a:t>NEO Blockchain developer guidance for Microsoft .NET developers (</a:t>
-            </a:r>
-            <a:r>
-              <a:rPr lang="en-CA" b="1" dirty="0"/>
-              <a:t>neo-</a:t>
-            </a:r>
-            <a:r>
-              <a:rPr lang="en-CA" b="1" dirty="0" err="1"/>
-              <a:t>windocs</a:t>
-            </a:r>
-            <a:r>
-              <a:rPr lang="en-CA" dirty="0"/>
-              <a:t>)</a:t>
-            </a:r>
-            <a:br>
-              <a:rPr lang="en-CA" dirty="0"/>
-            </a:br>
-            <a:r>
-              <a:rPr lang="en-CA" dirty="0">
-                <a:hlinkClick r:id="rId5"/>
-              </a:rPr>
-              <a:t>https://github.com/mwherman2000/neo-windocs</a:t>
-            </a:r>
-            <a:r>
-              <a:rPr lang="en-CA" dirty="0"/>
-              <a:t> </a:t>
-            </a:r>
-          </a:p>
-          <a:p>
-            <a:r>
-              <a:rPr lang="en-CA" dirty="0"/>
-              <a:t>City of Zion </a:t>
-            </a:r>
-            <a:r>
-              <a:rPr lang="en-CA" b="1" dirty="0"/>
-              <a:t>awesome-neo</a:t>
-            </a:r>
-            <a:r>
-              <a:rPr lang="en-CA" dirty="0"/>
-              <a:t> project: Developer Docs</a:t>
-            </a:r>
-            <a:br>
-              <a:rPr lang="en-CA" dirty="0"/>
-            </a:br>
-            <a:r>
-              <a:rPr lang="en-CA" dirty="0">
-                <a:hlinkClick r:id="rId6"/>
-              </a:rPr>
-              <a:t>https://github.com/CityOfZion/awesome-neo/</a:t>
-            </a:r>
-            <a:br>
-              <a:rPr lang="en-CA" dirty="0">
-                <a:hlinkClick r:id="rId6"/>
-              </a:rPr>
-            </a:br>
-            <a:r>
-              <a:rPr lang="en-CA" dirty="0">
-                <a:hlinkClick r:id="rId6"/>
-              </a:rPr>
-              <a:t>#developer-documentation</a:t>
-            </a:r>
-            <a:r>
-              <a:rPr lang="en-CA" dirty="0"/>
-              <a:t> </a:t>
-            </a:r>
-          </a:p>
-          <a:p>
-            <a:r>
-              <a:rPr lang="en-CA" dirty="0"/>
-              <a:t>The NEO Project</a:t>
-            </a:r>
-            <a:br>
-              <a:rPr lang="en-CA" dirty="0"/>
-            </a:br>
-            <a:r>
-              <a:rPr lang="en-CA" dirty="0">
-                <a:hlinkClick r:id="rId7"/>
-              </a:rPr>
-              <a:t>https://github.com/neo-project</a:t>
-            </a:r>
-            <a:endParaRPr lang="en-CA" dirty="0"/>
-          </a:p>
-          <a:p>
-            <a:r>
-              <a:rPr lang="en-CA" dirty="0"/>
-              <a:t>Discord NEO Community (like Slack)</a:t>
-            </a:r>
-            <a:br>
-              <a:rPr lang="en-CA" dirty="0"/>
-            </a:br>
-            <a:r>
-              <a:rPr lang="en-CA" dirty="0">
-                <a:hlinkClick r:id="rId8"/>
-              </a:rPr>
-              <a:t>https://discord.gg/gqCYeup</a:t>
-            </a:r>
-            <a:r>
-              <a:rPr lang="en-CA" dirty="0"/>
-              <a:t>  </a:t>
-            </a:r>
           </a:p>
         </p:txBody>
       </p:sp>
@@ -16067,6 +16236,35 @@
       </p:sp>
       <p:sp>
         <p:nvSpPr>
+          <p:cNvPr id="7" name="Footer Placeholder 6">
+            <a:extLst>
+              <a:ext uri="{FF2B5EF4-FFF2-40B4-BE49-F238E27FC236}">
+                <a16:creationId xmlns:a16="http://schemas.microsoft.com/office/drawing/2014/main" id="{EBB7FC91-A99A-4366-9ABA-890427282064}"/>
+              </a:ext>
+            </a:extLst>
+          </p:cNvPr>
+          <p:cNvSpPr>
+            <a:spLocks noGrp="1"/>
+          </p:cNvSpPr>
+          <p:nvPr>
+            <p:ph type="ftr" sz="quarter" idx="11"/>
+          </p:nvPr>
+        </p:nvSpPr>
+        <p:spPr/>
+        <p:txBody>
+          <a:bodyPr/>
+          <a:lstStyle/>
+          <a:p>
+            <a:r>
+              <a:rPr lang="en-US"/>
+              <a:t>NEO Blockchain Toronto</a:t>
+            </a:r>
+            <a:endParaRPr lang="en-US" dirty="0"/>
+          </a:p>
+        </p:txBody>
+      </p:sp>
+      <p:sp>
+        <p:nvSpPr>
           <p:cNvPr id="5" name="Slide Number Placeholder 4">
             <a:extLst>
               <a:ext uri="{FF2B5EF4-FFF2-40B4-BE49-F238E27FC236}">
@@ -16089,7 +16287,525 @@
             <a:fld id="{D57F1E4F-1CFF-5643-939E-217C01CDF565}" type="slidenum">
               <a:rPr lang="en-US" smtClean="0"/>
               <a:pPr/>
-              <a:t>19</a:t>
+              <a:t>2</a:t>
+            </a:fld>
+            <a:endParaRPr lang="en-US" dirty="0"/>
+          </a:p>
+        </p:txBody>
+      </p:sp>
+    </p:spTree>
+    <p:extLst>
+      <p:ext uri="{BB962C8B-B14F-4D97-AF65-F5344CB8AC3E}">
+        <p14:creationId xmlns:p14="http://schemas.microsoft.com/office/powerpoint/2010/main" val="2436018854"/>
+      </p:ext>
+    </p:extLst>
+  </p:cSld>
+  <p:clrMapOvr>
+    <a:masterClrMapping/>
+  </p:clrMapOvr>
+</p:sld>
+</file>
+
+<file path=ppt/slides/slide20.xml><?xml version="1.0" encoding="utf-8"?>
+<p:sld xmlns:a="http://schemas.openxmlformats.org/drawingml/2006/main" xmlns:r="http://schemas.openxmlformats.org/officeDocument/2006/relationships" xmlns:p="http://schemas.openxmlformats.org/presentationml/2006/main">
+  <p:cSld>
+    <p:spTree>
+      <p:nvGrpSpPr>
+        <p:cNvPr id="1" name=""/>
+        <p:cNvGrpSpPr/>
+        <p:nvPr/>
+      </p:nvGrpSpPr>
+      <p:grpSpPr>
+        <a:xfrm>
+          <a:off x="0" y="0"/>
+          <a:ext cx="0" cy="0"/>
+          <a:chOff x="0" y="0"/>
+          <a:chExt cx="0" cy="0"/>
+        </a:xfrm>
+      </p:grpSpPr>
+      <p:sp>
+        <p:nvSpPr>
+          <p:cNvPr id="2" name="Title 1">
+            <a:extLst>
+              <a:ext uri="{FF2B5EF4-FFF2-40B4-BE49-F238E27FC236}">
+                <a16:creationId xmlns:a16="http://schemas.microsoft.com/office/drawing/2014/main" id="{E69B6798-0E27-464C-9C26-AB8334C19AFA}"/>
+              </a:ext>
+            </a:extLst>
+          </p:cNvPr>
+          <p:cNvSpPr>
+            <a:spLocks noGrp="1"/>
+          </p:cNvSpPr>
+          <p:nvPr>
+            <p:ph type="title"/>
+          </p:nvPr>
+        </p:nvSpPr>
+        <p:spPr/>
+        <p:txBody>
+          <a:bodyPr/>
+          <a:lstStyle/>
+          <a:p>
+            <a:r>
+              <a:rPr lang="en-CA" dirty="0"/>
+              <a:t>NEO News</a:t>
+            </a:r>
+          </a:p>
+        </p:txBody>
+      </p:sp>
+      <p:sp>
+        <p:nvSpPr>
+          <p:cNvPr id="3" name="Content Placeholder 2">
+            <a:extLst>
+              <a:ext uri="{FF2B5EF4-FFF2-40B4-BE49-F238E27FC236}">
+                <a16:creationId xmlns:a16="http://schemas.microsoft.com/office/drawing/2014/main" id="{7019A0A9-E403-4795-9F88-DB86835D1E73}"/>
+              </a:ext>
+            </a:extLst>
+          </p:cNvPr>
+          <p:cNvSpPr>
+            <a:spLocks noGrp="1"/>
+          </p:cNvSpPr>
+          <p:nvPr>
+            <p:ph idx="1"/>
+          </p:nvPr>
+        </p:nvSpPr>
+        <p:spPr/>
+        <p:txBody>
+          <a:bodyPr/>
+          <a:lstStyle/>
+          <a:p>
+            <a:r>
+              <a:rPr lang="en-CA" dirty="0"/>
+              <a:t>Who is switching to NEO?</a:t>
+            </a:r>
+          </a:p>
+          <a:p>
+            <a:r>
+              <a:rPr lang="en-CA" dirty="0"/>
+              <a:t>TODO</a:t>
+            </a:r>
+          </a:p>
+        </p:txBody>
+      </p:sp>
+      <p:sp>
+        <p:nvSpPr>
+          <p:cNvPr id="4" name="Date Placeholder 3">
+            <a:extLst>
+              <a:ext uri="{FF2B5EF4-FFF2-40B4-BE49-F238E27FC236}">
+                <a16:creationId xmlns:a16="http://schemas.microsoft.com/office/drawing/2014/main" id="{839D4A78-CA7C-4183-8AA4-13B0EAD0D4CC}"/>
+              </a:ext>
+            </a:extLst>
+          </p:cNvPr>
+          <p:cNvSpPr>
+            <a:spLocks noGrp="1"/>
+          </p:cNvSpPr>
+          <p:nvPr>
+            <p:ph type="dt" sz="half" idx="10"/>
+          </p:nvPr>
+        </p:nvSpPr>
+        <p:spPr/>
+        <p:txBody>
+          <a:bodyPr/>
+          <a:lstStyle/>
+          <a:p>
+            <a:r>
+              <a:rPr lang="en-US"/>
+              <a:t>3/14/2018</a:t>
+            </a:r>
+            <a:endParaRPr lang="en-US" dirty="0"/>
+          </a:p>
+        </p:txBody>
+      </p:sp>
+      <p:sp>
+        <p:nvSpPr>
+          <p:cNvPr id="7" name="Footer Placeholder 6">
+            <a:extLst>
+              <a:ext uri="{FF2B5EF4-FFF2-40B4-BE49-F238E27FC236}">
+                <a16:creationId xmlns:a16="http://schemas.microsoft.com/office/drawing/2014/main" id="{4A3DD541-D41D-43DB-AEE1-5A824B4788E9}"/>
+              </a:ext>
+            </a:extLst>
+          </p:cNvPr>
+          <p:cNvSpPr>
+            <a:spLocks noGrp="1"/>
+          </p:cNvSpPr>
+          <p:nvPr>
+            <p:ph type="ftr" sz="quarter" idx="11"/>
+          </p:nvPr>
+        </p:nvSpPr>
+        <p:spPr/>
+        <p:txBody>
+          <a:bodyPr/>
+          <a:lstStyle/>
+          <a:p>
+            <a:r>
+              <a:rPr lang="en-US"/>
+              <a:t>NEO Blockchain Toronto</a:t>
+            </a:r>
+            <a:endParaRPr lang="en-US" dirty="0"/>
+          </a:p>
+        </p:txBody>
+      </p:sp>
+      <p:sp>
+        <p:nvSpPr>
+          <p:cNvPr id="5" name="Slide Number Placeholder 4">
+            <a:extLst>
+              <a:ext uri="{FF2B5EF4-FFF2-40B4-BE49-F238E27FC236}">
+                <a16:creationId xmlns:a16="http://schemas.microsoft.com/office/drawing/2014/main" id="{FE531A56-5541-4288-8440-4DFEE9623005}"/>
+              </a:ext>
+            </a:extLst>
+          </p:cNvPr>
+          <p:cNvSpPr>
+            <a:spLocks noGrp="1"/>
+          </p:cNvSpPr>
+          <p:nvPr>
+            <p:ph type="sldNum" sz="quarter" idx="12"/>
+          </p:nvPr>
+        </p:nvSpPr>
+        <p:spPr/>
+        <p:txBody>
+          <a:bodyPr/>
+          <a:lstStyle/>
+          <a:p>
+            <a:fld id="{D57F1E4F-1CFF-5643-939E-217C01CDF565}" type="slidenum">
+              <a:rPr lang="en-US" smtClean="0"/>
+              <a:pPr/>
+              <a:t>20</a:t>
+            </a:fld>
+            <a:endParaRPr lang="en-US" dirty="0"/>
+          </a:p>
+        </p:txBody>
+      </p:sp>
+    </p:spTree>
+    <p:extLst>
+      <p:ext uri="{BB962C8B-B14F-4D97-AF65-F5344CB8AC3E}">
+        <p14:creationId xmlns:p14="http://schemas.microsoft.com/office/powerpoint/2010/main" val="998575223"/>
+      </p:ext>
+    </p:extLst>
+  </p:cSld>
+  <p:clrMapOvr>
+    <a:masterClrMapping/>
+  </p:clrMapOvr>
+</p:sld>
+</file>
+
+<file path=ppt/slides/slide21.xml><?xml version="1.0" encoding="utf-8"?>
+<p:sld xmlns:a="http://schemas.openxmlformats.org/drawingml/2006/main" xmlns:r="http://schemas.openxmlformats.org/officeDocument/2006/relationships" xmlns:p="http://schemas.openxmlformats.org/presentationml/2006/main">
+  <p:cSld>
+    <p:spTree>
+      <p:nvGrpSpPr>
+        <p:cNvPr id="1" name=""/>
+        <p:cNvGrpSpPr/>
+        <p:nvPr/>
+      </p:nvGrpSpPr>
+      <p:grpSpPr>
+        <a:xfrm>
+          <a:off x="0" y="0"/>
+          <a:ext cx="0" cy="0"/>
+          <a:chOff x="0" y="0"/>
+          <a:chExt cx="0" cy="0"/>
+        </a:xfrm>
+      </p:grpSpPr>
+      <p:sp>
+        <p:nvSpPr>
+          <p:cNvPr id="2" name="Title 1">
+            <a:extLst>
+              <a:ext uri="{FF2B5EF4-FFF2-40B4-BE49-F238E27FC236}">
+                <a16:creationId xmlns:a16="http://schemas.microsoft.com/office/drawing/2014/main" id="{E69B6798-0E27-464C-9C26-AB8334C19AFA}"/>
+              </a:ext>
+            </a:extLst>
+          </p:cNvPr>
+          <p:cNvSpPr>
+            <a:spLocks noGrp="1"/>
+          </p:cNvSpPr>
+          <p:nvPr>
+            <p:ph type="title"/>
+          </p:nvPr>
+        </p:nvSpPr>
+        <p:spPr/>
+        <p:txBody>
+          <a:bodyPr/>
+          <a:lstStyle/>
+          <a:p>
+            <a:r>
+              <a:rPr lang="en-CA" dirty="0"/>
+              <a:t>NEO Resources</a:t>
+            </a:r>
+          </a:p>
+        </p:txBody>
+      </p:sp>
+      <p:sp>
+        <p:nvSpPr>
+          <p:cNvPr id="3" name="Content Placeholder 2">
+            <a:extLst>
+              <a:ext uri="{FF2B5EF4-FFF2-40B4-BE49-F238E27FC236}">
+                <a16:creationId xmlns:a16="http://schemas.microsoft.com/office/drawing/2014/main" id="{7019A0A9-E403-4795-9F88-DB86835D1E73}"/>
+              </a:ext>
+            </a:extLst>
+          </p:cNvPr>
+          <p:cNvSpPr>
+            <a:spLocks noGrp="1"/>
+          </p:cNvSpPr>
+          <p:nvPr>
+            <p:ph idx="1"/>
+          </p:nvPr>
+        </p:nvSpPr>
+        <p:spPr>
+          <a:xfrm>
+            <a:off x="677334" y="1292434"/>
+            <a:ext cx="10304431" cy="5487333"/>
+          </a:xfrm>
+        </p:spPr>
+        <p:txBody>
+          <a:bodyPr>
+            <a:normAutofit fontScale="92500" lnSpcReduction="10000"/>
+          </a:bodyPr>
+          <a:lstStyle/>
+          <a:p>
+            <a:pPr marL="0" indent="0">
+              <a:buNone/>
+            </a:pPr>
+            <a:r>
+              <a:rPr lang="en-CA" dirty="0"/>
+              <a:t>General</a:t>
+            </a:r>
+          </a:p>
+          <a:p>
+            <a:r>
+              <a:rPr lang="en-CA" dirty="0"/>
+              <a:t>NEO.org</a:t>
+            </a:r>
+            <a:br>
+              <a:rPr lang="en-CA" dirty="0"/>
+            </a:br>
+            <a:r>
+              <a:rPr lang="en-CA" dirty="0">
+                <a:hlinkClick r:id="rId2"/>
+              </a:rPr>
+              <a:t>http://neo.org</a:t>
+            </a:r>
+            <a:r>
+              <a:rPr lang="en-CA" dirty="0"/>
+              <a:t> </a:t>
+            </a:r>
+          </a:p>
+          <a:p>
+            <a:r>
+              <a:rPr lang="en-US" altLang="zh-CN" dirty="0"/>
+              <a:t>NEO Tutorials  (C#, Java, Python)</a:t>
+            </a:r>
+            <a:r>
+              <a:rPr lang="en-CA" dirty="0"/>
+              <a:t>, API docs</a:t>
+            </a:r>
+            <a:br>
+              <a:rPr lang="en-CA" dirty="0"/>
+            </a:br>
+            <a:r>
+              <a:rPr lang="en-US" altLang="zh-CN" dirty="0">
+                <a:hlinkClick r:id="rId3"/>
+              </a:rPr>
+              <a:t>http://docs.neo.org</a:t>
+            </a:r>
+            <a:endParaRPr lang="en-CA" dirty="0"/>
+          </a:p>
+          <a:p>
+            <a:r>
+              <a:rPr lang="en-CA" dirty="0"/>
+              <a:t>NEO </a:t>
+            </a:r>
+            <a:r>
+              <a:rPr lang="en-CA" dirty="0" err="1"/>
+              <a:t>Devcon</a:t>
+            </a:r>
+            <a:r>
+              <a:rPr lang="en-CA" dirty="0"/>
+              <a:t> “Th New Vision” Keynote by NEO Founder</a:t>
+            </a:r>
+            <a:br>
+              <a:rPr lang="en-CA" dirty="0"/>
+            </a:br>
+            <a:r>
+              <a:rPr lang="en-CA" dirty="0">
+                <a:hlinkClick r:id="rId4"/>
+              </a:rPr>
+              <a:t>https://www.youtube.com/watch?time_continue=3&amp;v=th7jZlmoZBc</a:t>
+            </a:r>
+            <a:r>
+              <a:rPr lang="en-CA" dirty="0"/>
+              <a:t> </a:t>
+            </a:r>
+            <a:br>
+              <a:rPr lang="en-CA" dirty="0"/>
+            </a:br>
+            <a:endParaRPr lang="en-CA" dirty="0"/>
+          </a:p>
+          <a:p>
+            <a:pPr marL="0" indent="0">
+              <a:buNone/>
+            </a:pPr>
+            <a:r>
+              <a:rPr lang="en-CA" dirty="0"/>
+              <a:t>Developers</a:t>
+            </a:r>
+          </a:p>
+          <a:p>
+            <a:r>
+              <a:rPr lang="en-CA" dirty="0"/>
+              <a:t>NEO Blockchain developer guidance for Microsoft .NET developers (</a:t>
+            </a:r>
+            <a:r>
+              <a:rPr lang="en-CA" b="1" dirty="0"/>
+              <a:t>neo-</a:t>
+            </a:r>
+            <a:r>
+              <a:rPr lang="en-CA" b="1" dirty="0" err="1"/>
+              <a:t>windocs</a:t>
+            </a:r>
+            <a:r>
+              <a:rPr lang="en-CA" dirty="0"/>
+              <a:t>)</a:t>
+            </a:r>
+            <a:br>
+              <a:rPr lang="en-CA" dirty="0"/>
+            </a:br>
+            <a:r>
+              <a:rPr lang="en-CA" dirty="0">
+                <a:hlinkClick r:id="rId5"/>
+              </a:rPr>
+              <a:t>https://github.com/mwherman2000/neo-windocs</a:t>
+            </a:r>
+            <a:r>
+              <a:rPr lang="en-CA" dirty="0"/>
+              <a:t> </a:t>
+            </a:r>
+          </a:p>
+          <a:p>
+            <a:r>
+              <a:rPr lang="en-CA" dirty="0"/>
+              <a:t>City of Zion </a:t>
+            </a:r>
+            <a:r>
+              <a:rPr lang="en-CA" b="1" dirty="0"/>
+              <a:t>awesome-neo</a:t>
+            </a:r>
+            <a:r>
+              <a:rPr lang="en-CA" dirty="0"/>
+              <a:t> project: Developer Docs</a:t>
+            </a:r>
+            <a:br>
+              <a:rPr lang="en-CA" dirty="0"/>
+            </a:br>
+            <a:r>
+              <a:rPr lang="en-CA" dirty="0">
+                <a:hlinkClick r:id="rId6"/>
+              </a:rPr>
+              <a:t>https://github.com/CityOfZion/awesome-neo/</a:t>
+            </a:r>
+            <a:br>
+              <a:rPr lang="en-CA" dirty="0">
+                <a:hlinkClick r:id="rId6"/>
+              </a:rPr>
+            </a:br>
+            <a:r>
+              <a:rPr lang="en-CA" dirty="0">
+                <a:hlinkClick r:id="rId6"/>
+              </a:rPr>
+              <a:t>#developer-documentation</a:t>
+            </a:r>
+            <a:r>
+              <a:rPr lang="en-CA" dirty="0"/>
+              <a:t> </a:t>
+            </a:r>
+          </a:p>
+          <a:p>
+            <a:r>
+              <a:rPr lang="en-CA" dirty="0"/>
+              <a:t>The NEO Project</a:t>
+            </a:r>
+            <a:br>
+              <a:rPr lang="en-CA" dirty="0"/>
+            </a:br>
+            <a:r>
+              <a:rPr lang="en-CA" dirty="0">
+                <a:hlinkClick r:id="rId7"/>
+              </a:rPr>
+              <a:t>https://github.com/neo-project</a:t>
+            </a:r>
+            <a:endParaRPr lang="en-CA" dirty="0"/>
+          </a:p>
+          <a:p>
+            <a:r>
+              <a:rPr lang="en-CA" dirty="0"/>
+              <a:t>Discord NEO Community (like Slack)</a:t>
+            </a:r>
+            <a:br>
+              <a:rPr lang="en-CA" dirty="0"/>
+            </a:br>
+            <a:r>
+              <a:rPr lang="en-CA" dirty="0">
+                <a:hlinkClick r:id="rId8"/>
+              </a:rPr>
+              <a:t>https://discord.gg/gqCYeup</a:t>
+            </a:r>
+            <a:r>
+              <a:rPr lang="en-CA" dirty="0"/>
+              <a:t>  </a:t>
+            </a:r>
+          </a:p>
+        </p:txBody>
+      </p:sp>
+      <p:sp>
+        <p:nvSpPr>
+          <p:cNvPr id="4" name="Date Placeholder 3">
+            <a:extLst>
+              <a:ext uri="{FF2B5EF4-FFF2-40B4-BE49-F238E27FC236}">
+                <a16:creationId xmlns:a16="http://schemas.microsoft.com/office/drawing/2014/main" id="{839D4A78-CA7C-4183-8AA4-13B0EAD0D4CC}"/>
+              </a:ext>
+            </a:extLst>
+          </p:cNvPr>
+          <p:cNvSpPr>
+            <a:spLocks noGrp="1"/>
+          </p:cNvSpPr>
+          <p:nvPr>
+            <p:ph type="dt" sz="half" idx="10"/>
+          </p:nvPr>
+        </p:nvSpPr>
+        <p:spPr/>
+        <p:txBody>
+          <a:bodyPr/>
+          <a:lstStyle/>
+          <a:p>
+            <a:r>
+              <a:rPr lang="en-US"/>
+              <a:t>3/14/2018</a:t>
+            </a:r>
+            <a:endParaRPr lang="en-US" dirty="0"/>
+          </a:p>
+        </p:txBody>
+      </p:sp>
+      <p:sp>
+        <p:nvSpPr>
+          <p:cNvPr id="5" name="Slide Number Placeholder 4">
+            <a:extLst>
+              <a:ext uri="{FF2B5EF4-FFF2-40B4-BE49-F238E27FC236}">
+                <a16:creationId xmlns:a16="http://schemas.microsoft.com/office/drawing/2014/main" id="{FE531A56-5541-4288-8440-4DFEE9623005}"/>
+              </a:ext>
+            </a:extLst>
+          </p:cNvPr>
+          <p:cNvSpPr>
+            <a:spLocks noGrp="1"/>
+          </p:cNvSpPr>
+          <p:nvPr>
+            <p:ph type="sldNum" sz="quarter" idx="12"/>
+          </p:nvPr>
+        </p:nvSpPr>
+        <p:spPr/>
+        <p:txBody>
+          <a:bodyPr/>
+          <a:lstStyle/>
+          <a:p>
+            <a:fld id="{D57F1E4F-1CFF-5643-939E-217C01CDF565}" type="slidenum">
+              <a:rPr lang="en-US" smtClean="0"/>
+              <a:pPr/>
+              <a:t>21</a:t>
             </a:fld>
             <a:endParaRPr lang="en-US" dirty="0"/>
           </a:p>
@@ -16181,7 +16897,7 @@
 </p:sld>
 </file>
 
-<file path=ppt/slides/slide2.xml><?xml version="1.0" encoding="utf-8"?>
+<file path=ppt/slides/slide22.xml><?xml version="1.0" encoding="utf-8"?>
 <p:sld xmlns:a="http://schemas.openxmlformats.org/drawingml/2006/main" xmlns:r="http://schemas.openxmlformats.org/officeDocument/2006/relationships" xmlns:p="http://schemas.openxmlformats.org/presentationml/2006/main">
   <p:cSld>
     <p:spTree>
@@ -16203,7 +16919,7 @@
           <p:cNvPr id="2" name="Title 1">
             <a:extLst>
               <a:ext uri="{FF2B5EF4-FFF2-40B4-BE49-F238E27FC236}">
-                <a16:creationId xmlns:a16="http://schemas.microsoft.com/office/drawing/2014/main" id="{E69B6798-0E27-464C-9C26-AB8334C19AFA}"/>
+                <a16:creationId xmlns:a16="http://schemas.microsoft.com/office/drawing/2014/main" id="{5D6AE72C-DF40-4317-B3AE-312AE6A63AFA}"/>
               </a:ext>
             </a:extLst>
           </p:cNvPr>
@@ -16216,13 +16932,31 @@
         </p:nvSpPr>
         <p:spPr/>
         <p:txBody>
-          <a:bodyPr/>
+          <a:bodyPr>
+            <a:normAutofit fontScale="90000"/>
+          </a:bodyPr>
           <a:lstStyle/>
           <a:p>
             <a:r>
               <a:rPr lang="en-CA" dirty="0"/>
-              <a:t>Agenda</a:t>
-            </a:r>
+              <a:t>neo-</a:t>
+            </a:r>
+            <a:r>
+              <a:rPr lang="en-CA" dirty="0" err="1"/>
+              <a:t>windocs</a:t>
+            </a:r>
+            <a:r>
+              <a:rPr lang="en-CA" dirty="0"/>
+              <a:t> Project</a:t>
+            </a:r>
+            <a:br>
+              <a:rPr lang="en-CA" dirty="0"/>
+            </a:br>
+            <a:r>
+              <a:rPr lang="en-CA" sz="2700" dirty="0"/>
+              <a:t>https://github.com/mwherman2000/neo-windocs</a:t>
+            </a:r>
+            <a:endParaRPr lang="en-US" sz="2700" dirty="0"/>
           </a:p>
         </p:txBody>
       </p:sp>
@@ -16231,7 +16965,7 @@
           <p:cNvPr id="3" name="Content Placeholder 2">
             <a:extLst>
               <a:ext uri="{FF2B5EF4-FFF2-40B4-BE49-F238E27FC236}">
-                <a16:creationId xmlns:a16="http://schemas.microsoft.com/office/drawing/2014/main" id="{7019A0A9-E403-4795-9F88-DB86835D1E73}"/>
+                <a16:creationId xmlns:a16="http://schemas.microsoft.com/office/drawing/2014/main" id="{989A5CB1-73DD-4111-880D-82F36ACE3D1A}"/>
               </a:ext>
             </a:extLst>
           </p:cNvPr>
@@ -16242,173 +16976,123 @@
             <p:ph idx="1"/>
           </p:nvPr>
         </p:nvSpPr>
-        <p:spPr/>
-        <p:txBody>
-          <a:bodyPr/>
+        <p:spPr>
+          <a:xfrm>
+            <a:off x="677334" y="1801906"/>
+            <a:ext cx="9326476" cy="5056093"/>
+          </a:xfrm>
+        </p:spPr>
+        <p:txBody>
+          <a:bodyPr>
+            <a:normAutofit/>
+          </a:bodyPr>
           <a:lstStyle/>
           <a:p>
-            <a:pPr>
-              <a:buFont typeface="+mj-lt"/>
-              <a:buAutoNum type="arabicPeriod"/>
-            </a:pPr>
+            <a:r>
+              <a:rPr lang="en-CA" dirty="0"/>
+              <a:t>Founder: Michael Herman (</a:t>
+            </a:r>
+            <a:r>
+              <a:rPr lang="en-CA" dirty="0">
+                <a:hlinkClick r:id="rId2"/>
+              </a:rPr>
+              <a:t>neotoronto@outlook.com</a:t>
+            </a:r>
+            <a:r>
+              <a:rPr lang="en-CA" dirty="0"/>
+              <a:t>)</a:t>
+            </a:r>
+          </a:p>
+          <a:p>
             <a:r>
               <a:rPr lang="en-US" dirty="0"/>
-              <a:t>Introductions</a:t>
-            </a:r>
-          </a:p>
-          <a:p>
-            <a:pPr>
-              <a:buFont typeface="+mj-lt"/>
-              <a:buAutoNum type="arabicPeriod"/>
-            </a:pPr>
+              <a:t>NEO Blockchain end-to-end, detailed guidance for .NET developers</a:t>
+            </a:r>
+          </a:p>
+          <a:p>
             <a:r>
               <a:rPr lang="en-US" dirty="0"/>
-              <a:t>What is NEO?</a:t>
-            </a:r>
-          </a:p>
-          <a:p>
-            <a:pPr>
-              <a:buFont typeface="+mj-lt"/>
-              <a:buAutoNum type="arabicPeriod"/>
-            </a:pPr>
+              <a:t>Content purposely designed to help .NET developers ramp up and become productive more quickly</a:t>
+            </a:r>
+          </a:p>
+          <a:p>
             <a:r>
               <a:rPr lang="en-US" dirty="0"/>
-              <a:t>Why NEO?</a:t>
-            </a:r>
-          </a:p>
-          <a:p>
-            <a:pPr>
-              <a:buFont typeface="+mj-lt"/>
-              <a:buAutoNum type="arabicPeriod"/>
-            </a:pPr>
+              <a:t>Repository for content presented at the NEO Blockchain Toronto meetup group</a:t>
+            </a:r>
+          </a:p>
+          <a:p>
             <a:r>
               <a:rPr lang="en-US" dirty="0"/>
-              <a:t>NEO Resources</a:t>
-            </a:r>
-          </a:p>
-          <a:p>
-            <a:pPr>
-              <a:buFont typeface="+mj-lt"/>
-              <a:buAutoNum type="arabicPeriod"/>
-            </a:pPr>
-            <a:r>
-              <a:rPr lang="en-US" b="1" dirty="0"/>
-              <a:t>neo-</a:t>
-            </a:r>
-            <a:r>
-              <a:rPr lang="en-US" b="1" dirty="0" err="1"/>
-              <a:t>windocs</a:t>
-            </a:r>
-            <a:r>
-              <a:rPr lang="en-US" b="1" dirty="0"/>
-              <a:t> Project</a:t>
-            </a:r>
-          </a:p>
-          <a:p>
-            <a:pPr>
-              <a:buFont typeface="+mj-lt"/>
-              <a:buAutoNum type="arabicPeriod"/>
-            </a:pPr>
+              <a:t>Contents</a:t>
+            </a:r>
+          </a:p>
+          <a:p>
+            <a:pPr lvl="1"/>
             <a:r>
               <a:rPr lang="en-US" dirty="0"/>
-              <a:t>Networking</a:t>
-            </a:r>
-            <a:endParaRPr lang="en-CA" dirty="0"/>
-          </a:p>
-        </p:txBody>
-      </p:sp>
-      <p:sp>
-        <p:nvSpPr>
-          <p:cNvPr id="4" name="Date Placeholder 3">
-            <a:extLst>
-              <a:ext uri="{FF2B5EF4-FFF2-40B4-BE49-F238E27FC236}">
-                <a16:creationId xmlns:a16="http://schemas.microsoft.com/office/drawing/2014/main" id="{839D4A78-CA7C-4183-8AA4-13B0EAD0D4CC}"/>
-              </a:ext>
-            </a:extLst>
-          </p:cNvPr>
-          <p:cNvSpPr>
-            <a:spLocks noGrp="1"/>
-          </p:cNvSpPr>
-          <p:nvPr>
-            <p:ph type="dt" sz="half" idx="10"/>
-          </p:nvPr>
-        </p:nvSpPr>
-        <p:spPr/>
-        <p:txBody>
-          <a:bodyPr/>
-          <a:lstStyle/>
-          <a:p>
-            <a:r>
-              <a:rPr lang="en-US"/>
-              <a:t>3/14/2018</a:t>
-            </a:r>
-            <a:endParaRPr lang="en-US" dirty="0"/>
-          </a:p>
-        </p:txBody>
-      </p:sp>
-      <p:sp>
-        <p:nvSpPr>
-          <p:cNvPr id="7" name="Footer Placeholder 6">
-            <a:extLst>
-              <a:ext uri="{FF2B5EF4-FFF2-40B4-BE49-F238E27FC236}">
-                <a16:creationId xmlns:a16="http://schemas.microsoft.com/office/drawing/2014/main" id="{EBB7FC91-A99A-4366-9ABA-890427282064}"/>
-              </a:ext>
-            </a:extLst>
-          </p:cNvPr>
-          <p:cNvSpPr>
-            <a:spLocks noGrp="1"/>
-          </p:cNvSpPr>
-          <p:nvPr>
-            <p:ph type="ftr" sz="quarter" idx="11"/>
-          </p:nvPr>
-        </p:nvSpPr>
-        <p:spPr/>
-        <p:txBody>
-          <a:bodyPr/>
-          <a:lstStyle/>
-          <a:p>
-            <a:r>
-              <a:rPr lang="en-US"/>
-              <a:t>NEO Blockchain Toronto</a:t>
-            </a:r>
-            <a:endParaRPr lang="en-US" dirty="0"/>
-          </a:p>
-        </p:txBody>
-      </p:sp>
-      <p:sp>
-        <p:nvSpPr>
-          <p:cNvPr id="5" name="Slide Number Placeholder 4">
-            <a:extLst>
-              <a:ext uri="{FF2B5EF4-FFF2-40B4-BE49-F238E27FC236}">
-                <a16:creationId xmlns:a16="http://schemas.microsoft.com/office/drawing/2014/main" id="{FE531A56-5541-4288-8440-4DFEE9623005}"/>
-              </a:ext>
-            </a:extLst>
-          </p:cNvPr>
-          <p:cNvSpPr>
-            <a:spLocks noGrp="1"/>
-          </p:cNvSpPr>
-          <p:nvPr>
-            <p:ph type="sldNum" sz="quarter" idx="12"/>
-          </p:nvPr>
-        </p:nvSpPr>
-        <p:spPr/>
-        <p:txBody>
-          <a:bodyPr/>
-          <a:lstStyle/>
-          <a:p>
-            <a:fld id="{D57F1E4F-1CFF-5643-939E-217C01CDF565}" type="slidenum">
-              <a:rPr lang="en-US" smtClean="0"/>
-              <a:pPr/>
-              <a:t>2</a:t>
-            </a:fld>
-            <a:endParaRPr lang="en-US" dirty="0"/>
+              <a:t>NEO Blockchain Quick Start Guide for .NET Developers</a:t>
+            </a:r>
+            <a:br>
+              <a:rPr lang="en-US" dirty="0"/>
+            </a:br>
+            <a:r>
+              <a:rPr lang="en-US" dirty="0">
+                <a:hlinkClick r:id="rId3"/>
+              </a:rPr>
+              <a:t>https://github.com/mwherman2000/neo-windocs/tree/master/windocs/quickstart-csharp/README.md</a:t>
+            </a:r>
+            <a:r>
+              <a:rPr lang="en-US" dirty="0"/>
+              <a:t> </a:t>
+            </a:r>
+          </a:p>
+          <a:p>
+            <a:pPr lvl="1"/>
+            <a:r>
+              <a:rPr lang="en-US" dirty="0"/>
+              <a:t>NEO Blockchain Architecture Reference Model (ARM) for .NET Developers (neo-charm)</a:t>
+            </a:r>
+            <a:br>
+              <a:rPr lang="en-US" dirty="0"/>
+            </a:br>
+            <a:r>
+              <a:rPr lang="en-US" dirty="0">
+                <a:hlinkClick r:id="rId4"/>
+              </a:rPr>
+              <a:t>https://github.com/mwherman2000/neo-windocs/blob/master/windocs/neo-charm/README.md</a:t>
+            </a:r>
+            <a:r>
+              <a:rPr lang="en-US" dirty="0"/>
+              <a:t> </a:t>
+            </a:r>
+          </a:p>
+          <a:p>
+            <a:pPr lvl="1"/>
+            <a:r>
+              <a:rPr lang="en-US" dirty="0"/>
+              <a:t>NEO Blockchain Toronto Meetup</a:t>
+            </a:r>
+            <a:br>
+              <a:rPr lang="en-US" dirty="0"/>
+            </a:br>
+            <a:r>
+              <a:rPr lang="en-US" dirty="0">
+                <a:hlinkClick r:id="rId5"/>
+              </a:rPr>
+              <a:t>https://github.com/mwherman2000/neo-windocs/tree/master/events/2018-neo-blockchain-toronto</a:t>
+            </a:r>
+            <a:r>
+              <a:rPr lang="en-US" dirty="0"/>
+              <a:t> </a:t>
+            </a:r>
           </a:p>
         </p:txBody>
       </p:sp>
     </p:spTree>
     <p:extLst>
       <p:ext uri="{BB962C8B-B14F-4D97-AF65-F5344CB8AC3E}">
-        <p14:creationId xmlns:p14="http://schemas.microsoft.com/office/powerpoint/2010/main" val="2436018854"/>
+        <p14:creationId xmlns:p14="http://schemas.microsoft.com/office/powerpoint/2010/main" val="2898092984"/>
       </p:ext>
     </p:extLst>
   </p:cSld>
@@ -16418,7 +17102,7 @@
 </p:sld>
 </file>
 
-<file path=ppt/slides/slide20.xml><?xml version="1.0" encoding="utf-8"?>
+<file path=ppt/slides/slide23.xml><?xml version="1.0" encoding="utf-8"?>
 <p:sld xmlns:a="http://schemas.openxmlformats.org/drawingml/2006/main" xmlns:r="http://schemas.openxmlformats.org/officeDocument/2006/relationships" xmlns:p="http://schemas.openxmlformats.org/presentationml/2006/main">
   <p:cSld>
     <p:spTree>
@@ -16440,211 +17124,6 @@
           <p:cNvPr id="2" name="Title 1">
             <a:extLst>
               <a:ext uri="{FF2B5EF4-FFF2-40B4-BE49-F238E27FC236}">
-                <a16:creationId xmlns:a16="http://schemas.microsoft.com/office/drawing/2014/main" id="{5D6AE72C-DF40-4317-B3AE-312AE6A63AFA}"/>
-              </a:ext>
-            </a:extLst>
-          </p:cNvPr>
-          <p:cNvSpPr>
-            <a:spLocks noGrp="1"/>
-          </p:cNvSpPr>
-          <p:nvPr>
-            <p:ph type="title"/>
-          </p:nvPr>
-        </p:nvSpPr>
-        <p:spPr/>
-        <p:txBody>
-          <a:bodyPr>
-            <a:normAutofit fontScale="90000"/>
-          </a:bodyPr>
-          <a:lstStyle/>
-          <a:p>
-            <a:r>
-              <a:rPr lang="en-CA" dirty="0"/>
-              <a:t>neo-</a:t>
-            </a:r>
-            <a:r>
-              <a:rPr lang="en-CA" dirty="0" err="1"/>
-              <a:t>windocs</a:t>
-            </a:r>
-            <a:r>
-              <a:rPr lang="en-CA" dirty="0"/>
-              <a:t> Project</a:t>
-            </a:r>
-            <a:br>
-              <a:rPr lang="en-CA" dirty="0"/>
-            </a:br>
-            <a:r>
-              <a:rPr lang="en-CA" sz="2700" dirty="0"/>
-              <a:t>https://github.com/mwherman2000/neo-windocs</a:t>
-            </a:r>
-            <a:endParaRPr lang="en-US" sz="2700" dirty="0"/>
-          </a:p>
-        </p:txBody>
-      </p:sp>
-      <p:sp>
-        <p:nvSpPr>
-          <p:cNvPr id="3" name="Content Placeholder 2">
-            <a:extLst>
-              <a:ext uri="{FF2B5EF4-FFF2-40B4-BE49-F238E27FC236}">
-                <a16:creationId xmlns:a16="http://schemas.microsoft.com/office/drawing/2014/main" id="{989A5CB1-73DD-4111-880D-82F36ACE3D1A}"/>
-              </a:ext>
-            </a:extLst>
-          </p:cNvPr>
-          <p:cNvSpPr>
-            <a:spLocks noGrp="1"/>
-          </p:cNvSpPr>
-          <p:nvPr>
-            <p:ph idx="1"/>
-          </p:nvPr>
-        </p:nvSpPr>
-        <p:spPr>
-          <a:xfrm>
-            <a:off x="677334" y="1801906"/>
-            <a:ext cx="9326476" cy="5056093"/>
-          </a:xfrm>
-        </p:spPr>
-        <p:txBody>
-          <a:bodyPr>
-            <a:normAutofit/>
-          </a:bodyPr>
-          <a:lstStyle/>
-          <a:p>
-            <a:r>
-              <a:rPr lang="en-CA" dirty="0"/>
-              <a:t>Founder: Michael Herman (</a:t>
-            </a:r>
-            <a:r>
-              <a:rPr lang="en-CA" dirty="0">
-                <a:hlinkClick r:id="rId2"/>
-              </a:rPr>
-              <a:t>neotoronto@outlook.com</a:t>
-            </a:r>
-            <a:r>
-              <a:rPr lang="en-CA" dirty="0"/>
-              <a:t>)</a:t>
-            </a:r>
-          </a:p>
-          <a:p>
-            <a:r>
-              <a:rPr lang="en-US" dirty="0"/>
-              <a:t>NEO Blockchain end-to-end, detailed guidance for .NET developers</a:t>
-            </a:r>
-          </a:p>
-          <a:p>
-            <a:r>
-              <a:rPr lang="en-US" dirty="0"/>
-              <a:t>Content purposely designed to help .NET developers ramp up and become productive more quickly</a:t>
-            </a:r>
-          </a:p>
-          <a:p>
-            <a:r>
-              <a:rPr lang="en-US" dirty="0"/>
-              <a:t>Repository for content presented at the NEO Blockchain Toronto meetup group</a:t>
-            </a:r>
-          </a:p>
-          <a:p>
-            <a:r>
-              <a:rPr lang="en-US" dirty="0"/>
-              <a:t>Contents</a:t>
-            </a:r>
-          </a:p>
-          <a:p>
-            <a:pPr lvl="1"/>
-            <a:r>
-              <a:rPr lang="en-US" dirty="0"/>
-              <a:t>NEO Blockchain Quick Start Guide for .NET Developers</a:t>
-            </a:r>
-            <a:br>
-              <a:rPr lang="en-US" dirty="0"/>
-            </a:br>
-            <a:r>
-              <a:rPr lang="en-US" dirty="0">
-                <a:hlinkClick r:id="rId3"/>
-              </a:rPr>
-              <a:t>https://github.com/mwherman2000/neo-windocs/tree/master/windocs/quickstart-csharp/README.md</a:t>
-            </a:r>
-            <a:r>
-              <a:rPr lang="en-US" dirty="0"/>
-              <a:t> </a:t>
-            </a:r>
-          </a:p>
-          <a:p>
-            <a:pPr lvl="1"/>
-            <a:r>
-              <a:rPr lang="en-US" dirty="0"/>
-              <a:t>NEO Blockchain Architecture Reference Model (ARM) for .NET Developers (neo-charm)</a:t>
-            </a:r>
-            <a:br>
-              <a:rPr lang="en-US" dirty="0"/>
-            </a:br>
-            <a:r>
-              <a:rPr lang="en-US" dirty="0">
-                <a:hlinkClick r:id="rId4"/>
-              </a:rPr>
-              <a:t>https://github.com/mwherman2000/neo-windocs/blob/master/windocs/neo-charm/README.md</a:t>
-            </a:r>
-            <a:r>
-              <a:rPr lang="en-US" dirty="0"/>
-              <a:t> </a:t>
-            </a:r>
-          </a:p>
-          <a:p>
-            <a:pPr lvl="1"/>
-            <a:r>
-              <a:rPr lang="en-US" dirty="0"/>
-              <a:t>NEO Blockchain Toronto Meetup</a:t>
-            </a:r>
-            <a:br>
-              <a:rPr lang="en-US" dirty="0"/>
-            </a:br>
-            <a:r>
-              <a:rPr lang="en-US" dirty="0">
-                <a:hlinkClick r:id="rId5"/>
-              </a:rPr>
-              <a:t>https://github.com/mwherman2000/neo-windocs/tree/master/events/2018-neo-blockchain-toronto</a:t>
-            </a:r>
-            <a:r>
-              <a:rPr lang="en-US" dirty="0"/>
-              <a:t> </a:t>
-            </a:r>
-          </a:p>
-        </p:txBody>
-      </p:sp>
-    </p:spTree>
-    <p:extLst>
-      <p:ext uri="{BB962C8B-B14F-4D97-AF65-F5344CB8AC3E}">
-        <p14:creationId xmlns:p14="http://schemas.microsoft.com/office/powerpoint/2010/main" val="2898092984"/>
-      </p:ext>
-    </p:extLst>
-  </p:cSld>
-  <p:clrMapOvr>
-    <a:masterClrMapping/>
-  </p:clrMapOvr>
-</p:sld>
-</file>
-
-<file path=ppt/slides/slide21.xml><?xml version="1.0" encoding="utf-8"?>
-<p:sld xmlns:a="http://schemas.openxmlformats.org/drawingml/2006/main" xmlns:r="http://schemas.openxmlformats.org/officeDocument/2006/relationships" xmlns:p="http://schemas.openxmlformats.org/presentationml/2006/main">
-  <p:cSld>
-    <p:spTree>
-      <p:nvGrpSpPr>
-        <p:cNvPr id="1" name=""/>
-        <p:cNvGrpSpPr/>
-        <p:nvPr/>
-      </p:nvGrpSpPr>
-      <p:grpSpPr>
-        <a:xfrm>
-          <a:off x="0" y="0"/>
-          <a:ext cx="0" cy="0"/>
-          <a:chOff x="0" y="0"/>
-          <a:chExt cx="0" cy="0"/>
-        </a:xfrm>
-      </p:grpSpPr>
-      <p:sp>
-        <p:nvSpPr>
-          <p:cNvPr id="2" name="Title 1">
-            <a:extLst>
-              <a:ext uri="{FF2B5EF4-FFF2-40B4-BE49-F238E27FC236}">
                 <a16:creationId xmlns:a16="http://schemas.microsoft.com/office/drawing/2014/main" id="{E69B6798-0E27-464C-9C26-AB8334C19AFA}"/>
               </a:ext>
             </a:extLst>
@@ -16961,7 +17440,7 @@
 </p:sld>
 </file>
 
-<file path=ppt/slides/slide22.xml><?xml version="1.0" encoding="utf-8"?>
+<file path=ppt/slides/slide24.xml><?xml version="1.0" encoding="utf-8"?>
 <p:sld xmlns:a="http://schemas.openxmlformats.org/drawingml/2006/main" xmlns:r="http://schemas.openxmlformats.org/officeDocument/2006/relationships" xmlns:p="http://schemas.openxmlformats.org/presentationml/2006/main">
   <p:cSld>
     <p:spTree>
@@ -17073,7 +17552,7 @@
 </p:sld>
 </file>
 
-<file path=ppt/slides/slide23.xml><?xml version="1.0" encoding="utf-8"?>
+<file path=ppt/slides/slide25.xml><?xml version="1.0" encoding="utf-8"?>
 <p:sld xmlns:a="http://schemas.openxmlformats.org/drawingml/2006/main" xmlns:r="http://schemas.openxmlformats.org/officeDocument/2006/relationships" xmlns:p="http://schemas.openxmlformats.org/presentationml/2006/main">
   <p:cSld>
     <p:spTree>
@@ -17198,7 +17677,7 @@
 </p:sld>
 </file>
 
-<file path=ppt/slides/slide24.xml><?xml version="1.0" encoding="utf-8"?>
+<file path=ppt/slides/slide26.xml><?xml version="1.0" encoding="utf-8"?>
 <p:sld xmlns:a="http://schemas.openxmlformats.org/drawingml/2006/main" xmlns:r="http://schemas.openxmlformats.org/officeDocument/2006/relationships" xmlns:p="http://schemas.openxmlformats.org/presentationml/2006/main">
   <p:cSld>
     <p:spTree>
@@ -17541,7 +18020,7 @@
             <a:fld id="{D57F1E4F-1CFF-5643-939E-217C01CDF565}" type="slidenum">
               <a:rPr lang="en-US" smtClean="0"/>
               <a:pPr/>
-              <a:t>24</a:t>
+              <a:t>26</a:t>
             </a:fld>
             <a:endParaRPr lang="en-US" dirty="0"/>
           </a:p>
@@ -17560,7 +18039,7 @@
 </p:sld>
 </file>
 
-<file path=ppt/slides/slide25.xml><?xml version="1.0" encoding="utf-8"?>
+<file path=ppt/slides/slide27.xml><?xml version="1.0" encoding="utf-8"?>
 <p:sld xmlns:a="http://schemas.openxmlformats.org/drawingml/2006/main" xmlns:r="http://schemas.openxmlformats.org/officeDocument/2006/relationships" xmlns:p="http://schemas.openxmlformats.org/presentationml/2006/main">
   <p:cSld>
     <p:spTree>
@@ -17710,7 +18189,7 @@
             <a:fld id="{D57F1E4F-1CFF-5643-939E-217C01CDF565}" type="slidenum">
               <a:rPr lang="en-US" smtClean="0"/>
               <a:pPr/>
-              <a:t>25</a:t>
+              <a:t>27</a:t>
             </a:fld>
             <a:endParaRPr lang="en-US" dirty="0"/>
           </a:p>
@@ -18004,7 +18483,7 @@
 </p:sld>
 </file>
 
-<file path=ppt/slides/slide26.xml><?xml version="1.0" encoding="utf-8"?>
+<file path=ppt/slides/slide28.xml><?xml version="1.0" encoding="utf-8"?>
 <p:sld xmlns:a="http://schemas.openxmlformats.org/drawingml/2006/main" xmlns:r="http://schemas.openxmlformats.org/officeDocument/2006/relationships" xmlns:p="http://schemas.openxmlformats.org/presentationml/2006/main">
   <p:cSld>
     <p:spTree>
@@ -18156,7 +18635,7 @@
             <a:fld id="{D57F1E4F-1CFF-5643-939E-217C01CDF565}" type="slidenum">
               <a:rPr lang="en-US" smtClean="0"/>
               <a:pPr/>
-              <a:t>26</a:t>
+              <a:t>28</a:t>
             </a:fld>
             <a:endParaRPr lang="en-US" dirty="0"/>
           </a:p>
@@ -18175,7 +18654,7 @@
 </p:sld>
 </file>
 
-<file path=ppt/slides/slide27.xml><?xml version="1.0" encoding="utf-8"?>
+<file path=ppt/slides/slide29.xml><?xml version="1.0" encoding="utf-8"?>
 <p:sld xmlns:a="http://schemas.openxmlformats.org/drawingml/2006/main" xmlns:r="http://schemas.openxmlformats.org/officeDocument/2006/relationships" xmlns:p="http://schemas.openxmlformats.org/presentationml/2006/main">
   <p:cSld>
     <p:spTree>
@@ -19413,6 +19892,30 @@
               <a:t> (like Slack)</a:t>
             </a:r>
           </a:p>
+          <a:p>
+            <a:pPr lvl="1"/>
+            <a:r>
+              <a:rPr lang="en-CA" dirty="0"/>
+              <a:t>City of Zion “</a:t>
+            </a:r>
+            <a:r>
+              <a:rPr lang="en-US" dirty="0"/>
+              <a:t>Home of the Open-source Global NEO Developer Community”</a:t>
+            </a:r>
+            <a:br>
+              <a:rPr lang="en-CA" dirty="0"/>
+            </a:br>
+            <a:r>
+              <a:rPr lang="en-CA" dirty="0">
+                <a:hlinkClick r:id="rId4"/>
+              </a:rPr>
+              <a:t>https://cityofzion.io/</a:t>
+            </a:r>
+            <a:r>
+              <a:rPr lang="en-CA" dirty="0"/>
+              <a:t> </a:t>
+            </a:r>
+          </a:p>
         </p:txBody>
       </p:sp>
       <p:sp>
@@ -19518,7 +20021,7 @@
           <p:nvPr/>
         </p:nvPicPr>
         <p:blipFill>
-          <a:blip r:embed="rId4"/>
+          <a:blip r:embed="rId5"/>
           <a:stretch>
             <a:fillRect/>
           </a:stretch>

--- a/events/2018-neo-blockchain-toronto/NEO Blockchain-Toronto-20180314 Meetup-WIP.pptx
+++ b/events/2018-neo-blockchain-toronto/NEO Blockchain-Toronto-20180314 Meetup-WIP.pptx
@@ -3742,7 +3742,7 @@
           <a:p>
             <a:fld id="{8C96CAC6-5EE5-4DF8-BED8-337C55BC9982}" type="datetimeFigureOut">
               <a:rPr lang="en-CA" smtClean="0"/>
-              <a:t>2018-02-21</a:t>
+              <a:t>2018-02-23</a:t>
             </a:fld>
             <a:endParaRPr lang="en-CA"/>
           </a:p>
@@ -10097,7 +10097,15 @@
             <a:pPr algn="ctr"/>
             <a:r>
               <a:rPr lang="en-CA" dirty="0"/>
-              <a:t>“Genesis Block 0” Meetup – March 24, 2018</a:t>
+              <a:t>“Genesis Block 0” Meetup – </a:t>
+            </a:r>
+            <a:r>
+              <a:rPr lang="en-CA"/>
+              <a:t>March 14</a:t>
+            </a:r>
+            <a:r>
+              <a:rPr lang="en-CA" dirty="0"/>
+              <a:t>, 2018</a:t>
             </a:r>
           </a:p>
           <a:p>
@@ -21128,7 +21136,7 @@
           </a:ln>
           <a:extLst>
             <a:ext uri="{C572A759-6A51-4108-AA02-DFA0A04FC94B}">
-              <ma14:wrappingTextBoxFlag xmlns="" xmlns:ma14="http://schemas.microsoft.com/office/mac/drawingml/2011/main" val="1"/>
+              <ma14:wrappingTextBoxFlag xmlns:ma14="http://schemas.microsoft.com/office/mac/drawingml/2011/main" xmlns="" val="1"/>
             </a:ext>
           </a:extLst>
         </p:spPr>
@@ -21171,7 +21179,7 @@
           </a:ln>
           <a:extLst>
             <a:ext uri="{C572A759-6A51-4108-AA02-DFA0A04FC94B}">
-              <ma14:wrappingTextBoxFlag xmlns="" xmlns:ma14="http://schemas.microsoft.com/office/mac/drawingml/2011/main" val="1"/>
+              <ma14:wrappingTextBoxFlag xmlns:ma14="http://schemas.microsoft.com/office/mac/drawingml/2011/main" xmlns="" val="1"/>
             </a:ext>
           </a:extLst>
         </p:spPr>
@@ -21215,7 +21223,7 @@
           </a:ln>
           <a:extLst>
             <a:ext uri="{C572A759-6A51-4108-AA02-DFA0A04FC94B}">
-              <ma14:wrappingTextBoxFlag xmlns="" xmlns:ma14="http://schemas.microsoft.com/office/mac/drawingml/2011/main" val="1"/>
+              <ma14:wrappingTextBoxFlag xmlns:ma14="http://schemas.microsoft.com/office/mac/drawingml/2011/main" xmlns="" val="1"/>
             </a:ext>
           </a:extLst>
         </p:spPr>
@@ -21259,7 +21267,7 @@
           </a:ln>
           <a:extLst>
             <a:ext uri="{C572A759-6A51-4108-AA02-DFA0A04FC94B}">
-              <ma14:wrappingTextBoxFlag xmlns="" xmlns:ma14="http://schemas.microsoft.com/office/mac/drawingml/2011/main" val="1"/>
+              <ma14:wrappingTextBoxFlag xmlns:ma14="http://schemas.microsoft.com/office/mac/drawingml/2011/main" xmlns="" val="1"/>
             </a:ext>
           </a:extLst>
         </p:spPr>
